--- a/Project-3.pptx
+++ b/Project-3.pptx
@@ -16,9 +16,13 @@
     <p:sldId id="264" r:id="rId11"/>
     <p:sldId id="266" r:id="rId12"/>
     <p:sldId id="268" r:id="rId13"/>
-    <p:sldId id="270" r:id="rId14"/>
-    <p:sldId id="269" r:id="rId15"/>
-    <p:sldId id="271" r:id="rId16"/>
+    <p:sldId id="276" r:id="rId14"/>
+    <p:sldId id="277" r:id="rId15"/>
+    <p:sldId id="270" r:id="rId16"/>
+    <p:sldId id="269" r:id="rId17"/>
+    <p:sldId id="271" r:id="rId18"/>
+    <p:sldId id="274" r:id="rId19"/>
+    <p:sldId id="278" r:id="rId20"/>
   </p:sldIdLst>
   <p:sldSz cx="12192000" cy="6858000"/>
   <p:notesSz cx="7103745" cy="10234295"/>
@@ -122,24 +126,28 @@
       <p14:sectionLst xmlns:p14="http://schemas.microsoft.com/office/powerpoint/2010/main">
         <p14:section name="MVP" id="{a4d7e608-3483-418a-8db7-7fd210040737}">
           <p14:sldIdLst>
+            <p14:sldId id="256"/>
+            <p14:sldId id="257"/>
+            <p14:sldId id="258"/>
             <p14:sldId id="259"/>
+            <p14:sldId id="260"/>
+            <p14:sldId id="261"/>
+            <p14:sldId id="262"/>
+            <p14:sldId id="263"/>
             <p14:sldId id="264"/>
             <p14:sldId id="266"/>
+            <p14:sldId id="270"/>
             <p14:sldId id="268"/>
-            <p14:sldId id="256"/>
-            <p14:sldId id="263"/>
-            <p14:sldId id="260"/>
-            <p14:sldId id="257"/>
-            <p14:sldId id="270"/>
-            <p14:sldId id="258"/>
-            <p14:sldId id="261"/>
-            <p14:sldId id="262"/>
+            <p14:sldId id="277"/>
+            <p14:sldId id="276"/>
           </p14:sldIdLst>
         </p14:section>
         <p14:section name="Stretch Goals" id="{e2368eca-e4e6-4d25-887b-a926a014832b}">
           <p14:sldIdLst>
             <p14:sldId id="269"/>
             <p14:sldId id="271"/>
+            <p14:sldId id="274"/>
+            <p14:sldId id="278"/>
           </p14:sldIdLst>
         </p14:section>
       </p14:sectionLst>
@@ -2680,8 +2688,8 @@
         </p:nvSpPr>
         <p:spPr>
           <a:xfrm>
-            <a:off x="1524000" y="1122680"/>
-            <a:ext cx="9144000" cy="4189730"/>
+            <a:off x="527050" y="1135380"/>
+            <a:ext cx="11137265" cy="4189730"/>
           </a:xfrm>
         </p:spPr>
         <p:txBody>
@@ -2743,7 +2751,7 @@
                 <a:latin typeface="Helvetica Neue Regular" panose="02000503000000020004" charset="0"/>
                 <a:cs typeface="Helvetica Neue Regular" panose="02000503000000020004" charset="0"/>
               </a:rPr>
-              <a:t>Outstanding items:</a:t>
+              <a:t>Target to complete on:</a:t>
             </a:r>
             <a:br>
               <a:rPr lang="en-US" sz="2400">
@@ -2753,15 +2761,10 @@
             </a:br>
             <a:r>
               <a:rPr lang="en-US" sz="2400">
-                <a:solidFill>
-                  <a:schemeClr val="bg1">
-                    <a:lumMod val="75000"/>
-                  </a:schemeClr>
-                </a:solidFill>
                 <a:latin typeface="Helvetica Neue Regular" panose="02000503000000020004" charset="0"/>
                 <a:cs typeface="Helvetica Neue Regular" panose="02000503000000020004" charset="0"/>
               </a:rPr>
-              <a:t>1. who will create repo - created</a:t>
+              <a:t>8 Apr (Friday) - Backend</a:t>
             </a:r>
             <a:br>
               <a:rPr lang="en-US" sz="2400">
@@ -2771,21 +2774,53 @@
             </a:br>
             <a:r>
               <a:rPr lang="en-US" sz="2400">
-                <a:solidFill>
-                  <a:schemeClr val="bg1">
-                    <a:lumMod val="75000"/>
-                  </a:schemeClr>
-                </a:solidFill>
                 <a:latin typeface="Helvetica Neue Regular" panose="02000503000000020004" charset="0"/>
                 <a:cs typeface="Helvetica Neue Regular" panose="02000503000000020004" charset="0"/>
               </a:rPr>
-              <a:t>2. work allocation (mob programming) - if you are too free, do the css</a:t>
+              <a:t>11 Apr (Monday) - Linking to Frontend + solving outstanding backend problems</a:t>
+            </a:r>
+            <a:br>
+              <a:rPr lang="en-US" sz="2400">
+                <a:latin typeface="Helvetica Neue Regular" panose="02000503000000020004" charset="0"/>
+                <a:cs typeface="Helvetica Neue Regular" panose="02000503000000020004" charset="0"/>
+              </a:rPr>
+            </a:br>
+            <a:r>
+              <a:rPr lang="en-US" sz="2400">
+                <a:latin typeface="Helvetica Neue Regular" panose="02000503000000020004" charset="0"/>
+                <a:cs typeface="Helvetica Neue Regular" panose="02000503000000020004" charset="0"/>
+              </a:rPr>
+              <a:t>12 Apr (Tuesday) - </a:t>
+            </a:r>
+            <a:br>
+              <a:rPr lang="en-US" sz="2400">
+                <a:latin typeface="Helvetica Neue Regular" panose="02000503000000020004" charset="0"/>
+                <a:cs typeface="Helvetica Neue Regular" panose="02000503000000020004" charset="0"/>
+              </a:rPr>
+            </a:br>
+            <a:r>
+              <a:rPr lang="en-US" sz="2400">
+                <a:latin typeface="Helvetica Neue Regular" panose="02000503000000020004" charset="0"/>
+                <a:cs typeface="Helvetica Neue Regular" panose="02000503000000020004" charset="0"/>
+              </a:rPr>
+              <a:t>13 Apr (Wednesday) - Stretch Goals (if time permits)</a:t>
+            </a:r>
+            <a:br>
+              <a:rPr lang="en-US" sz="2400">
+                <a:latin typeface="Helvetica Neue Regular" panose="02000503000000020004" charset="0"/>
+                <a:cs typeface="Helvetica Neue Regular" panose="02000503000000020004" charset="0"/>
+              </a:rPr>
+            </a:br>
+            <a:r>
+              <a:rPr lang="en-US" sz="2400">
+                <a:latin typeface="Helvetica Neue Regular" panose="02000503000000020004" charset="0"/>
+                <a:cs typeface="Helvetica Neue Regular" panose="02000503000000020004" charset="0"/>
+              </a:rPr>
+              <a:t>14 Apr  (Thursday) - Presentation of project</a:t>
             </a:r>
             <a:endParaRPr lang="en-US" sz="2400">
               <a:solidFill>
-                <a:schemeClr val="bg1">
-                  <a:lumMod val="75000"/>
-                </a:schemeClr>
+                <a:schemeClr val="tx1"/>
               </a:solidFill>
               <a:latin typeface="Helvetica Neue Regular" panose="02000503000000020004" charset="0"/>
               <a:cs typeface="Helvetica Neue Regular" panose="02000503000000020004" charset="0"/>
@@ -3556,6 +3591,217 @@
       <p:grpSpPr/>
       <p:sp>
         <p:nvSpPr>
+          <p:cNvPr id="3" name="Content Placeholder 2"/>
+          <p:cNvSpPr>
+            <a:spLocks noGrp="1"/>
+          </p:cNvSpPr>
+          <p:nvPr>
+            <p:ph idx="1"/>
+          </p:nvPr>
+        </p:nvSpPr>
+        <p:spPr>
+          <a:xfrm>
+            <a:off x="203200" y="946150"/>
+            <a:ext cx="11721465" cy="5700395"/>
+          </a:xfrm>
+        </p:spPr>
+        <p:txBody>
+          <a:bodyPr/>
+          <a:p>
+            <a:pPr>
+              <a:lnSpc>
+                <a:spcPct val="100000"/>
+              </a:lnSpc>
+            </a:pPr>
+            <a:r>
+              <a:rPr lang="en-US" sz="2400">
+                <a:latin typeface="Helvetica Neue Regular" panose="02000503000000020004" charset="0"/>
+                <a:cs typeface="Helvetica Neue Regular" panose="02000503000000020004" charset="0"/>
+              </a:rPr>
+              <a:t>Authentication, sessions</a:t>
+            </a:r>
+            <a:endParaRPr lang="en-US" sz="2400">
+              <a:latin typeface="Helvetica Neue Regular" panose="02000503000000020004" charset="0"/>
+              <a:cs typeface="Helvetica Neue Regular" panose="02000503000000020004" charset="0"/>
+            </a:endParaRPr>
+          </a:p>
+          <a:p>
+            <a:pPr>
+              <a:lnSpc>
+                <a:spcPct val="100000"/>
+              </a:lnSpc>
+            </a:pPr>
+            <a:r>
+              <a:rPr lang="en-US" sz="2400">
+                <a:latin typeface="Helvetica Neue Regular" panose="02000503000000020004" charset="0"/>
+                <a:cs typeface="Helvetica Neue Regular" panose="02000503000000020004" charset="0"/>
+              </a:rPr>
+              <a:t>Users Schema</a:t>
+            </a:r>
+            <a:endParaRPr lang="en-US" sz="2400">
+              <a:latin typeface="Helvetica Neue Regular" panose="02000503000000020004" charset="0"/>
+              <a:cs typeface="Helvetica Neue Regular" panose="02000503000000020004" charset="0"/>
+            </a:endParaRPr>
+          </a:p>
+          <a:p>
+            <a:pPr lvl="1">
+              <a:lnSpc>
+                <a:spcPct val="100000"/>
+              </a:lnSpc>
+            </a:pPr>
+            <a:r>
+              <a:rPr lang="en-US" sz="2055">
+                <a:latin typeface="Helvetica Neue Regular" panose="02000503000000020004" charset="0"/>
+                <a:cs typeface="Helvetica Neue Regular" panose="02000503000000020004" charset="0"/>
+              </a:rPr>
+              <a:t>Admin and users</a:t>
+            </a:r>
+            <a:endParaRPr lang="en-US" sz="2055">
+              <a:latin typeface="Helvetica Neue Regular" panose="02000503000000020004" charset="0"/>
+              <a:cs typeface="Helvetica Neue Regular" panose="02000503000000020004" charset="0"/>
+            </a:endParaRPr>
+          </a:p>
+          <a:p>
+            <a:pPr lvl="1">
+              <a:lnSpc>
+                <a:spcPct val="100000"/>
+              </a:lnSpc>
+            </a:pPr>
+            <a:r>
+              <a:rPr lang="en-US" sz="2055">
+                <a:latin typeface="Helvetica Neue Regular" panose="02000503000000020004" charset="0"/>
+                <a:cs typeface="Helvetica Neue Regular" panose="02000503000000020004" charset="0"/>
+              </a:rPr>
+              <a:t>Seed some data in</a:t>
+            </a:r>
+            <a:endParaRPr lang="en-US" sz="2055">
+              <a:latin typeface="Helvetica Neue Regular" panose="02000503000000020004" charset="0"/>
+              <a:cs typeface="Helvetica Neue Regular" panose="02000503000000020004" charset="0"/>
+            </a:endParaRPr>
+          </a:p>
+          <a:p>
+            <a:pPr>
+              <a:lnSpc>
+                <a:spcPct val="100000"/>
+              </a:lnSpc>
+            </a:pPr>
+            <a:r>
+              <a:rPr lang="en-US" sz="2400">
+                <a:latin typeface="Helvetica Neue Regular" panose="02000503000000020004" charset="0"/>
+                <a:cs typeface="Helvetica Neue Regular" panose="02000503000000020004" charset="0"/>
+              </a:rPr>
+              <a:t>Topics/ Posts Schema</a:t>
+            </a:r>
+            <a:endParaRPr lang="en-US" sz="2400">
+              <a:latin typeface="Helvetica Neue Regular" panose="02000503000000020004" charset="0"/>
+              <a:cs typeface="Helvetica Neue Regular" panose="02000503000000020004" charset="0"/>
+            </a:endParaRPr>
+          </a:p>
+          <a:p>
+            <a:pPr lvl="1">
+              <a:lnSpc>
+                <a:spcPct val="100000"/>
+              </a:lnSpc>
+            </a:pPr>
+            <a:r>
+              <a:rPr lang="en-US" sz="2000">
+                <a:latin typeface="Helvetica Neue Regular" panose="02000503000000020004" charset="0"/>
+                <a:cs typeface="Helvetica Neue Regular" panose="02000503000000020004" charset="0"/>
+              </a:rPr>
+              <a:t>Title (post title)</a:t>
+            </a:r>
+            <a:endParaRPr lang="en-US" sz="2000">
+              <a:latin typeface="Helvetica Neue Regular" panose="02000503000000020004" charset="0"/>
+              <a:cs typeface="Helvetica Neue Regular" panose="02000503000000020004" charset="0"/>
+            </a:endParaRPr>
+          </a:p>
+          <a:p>
+            <a:pPr lvl="1">
+              <a:lnSpc>
+                <a:spcPct val="100000"/>
+              </a:lnSpc>
+            </a:pPr>
+            <a:r>
+              <a:rPr lang="en-US" sz="2000">
+                <a:latin typeface="Helvetica Neue Regular" panose="02000503000000020004" charset="0"/>
+                <a:cs typeface="Helvetica Neue Regular" panose="02000503000000020004" charset="0"/>
+              </a:rPr>
+              <a:t>Date</a:t>
+            </a:r>
+            <a:endParaRPr lang="en-US" sz="2000">
+              <a:latin typeface="Helvetica Neue Regular" panose="02000503000000020004" charset="0"/>
+              <a:cs typeface="Helvetica Neue Regular" panose="02000503000000020004" charset="0"/>
+            </a:endParaRPr>
+          </a:p>
+          <a:p>
+            <a:pPr lvl="1">
+              <a:lnSpc>
+                <a:spcPct val="100000"/>
+              </a:lnSpc>
+            </a:pPr>
+            <a:r>
+              <a:rPr lang="en-US" sz="2000">
+                <a:latin typeface="Helvetica Neue Regular" panose="02000503000000020004" charset="0"/>
+                <a:cs typeface="Helvetica Neue Regular" panose="02000503000000020004" charset="0"/>
+              </a:rPr>
+              <a:t>Content (content of the post)</a:t>
+            </a:r>
+            <a:endParaRPr lang="en-US" sz="2000">
+              <a:latin typeface="Helvetica Neue Regular" panose="02000503000000020004" charset="0"/>
+              <a:cs typeface="Helvetica Neue Regular" panose="02000503000000020004" charset="0"/>
+            </a:endParaRPr>
+          </a:p>
+          <a:p>
+            <a:pPr lvl="1">
+              <a:lnSpc>
+                <a:spcPct val="100000"/>
+              </a:lnSpc>
+            </a:pPr>
+            <a:r>
+              <a:rPr lang="en-US" sz="2000">
+                <a:latin typeface="Helvetica Neue Regular" panose="02000503000000020004" charset="0"/>
+                <a:cs typeface="Helvetica Neue Regular" panose="02000503000000020004" charset="0"/>
+              </a:rPr>
+              <a:t>Categories: [ Singapore, Sentosa ] (example)</a:t>
+            </a:r>
+            <a:endParaRPr lang="en-US" sz="2000">
+              <a:latin typeface="Helvetica Neue Regular" panose="02000503000000020004" charset="0"/>
+              <a:cs typeface="Helvetica Neue Regular" panose="02000503000000020004" charset="0"/>
+            </a:endParaRPr>
+          </a:p>
+          <a:p>
+            <a:pPr lvl="1">
+              <a:lnSpc>
+                <a:spcPct val="100000"/>
+              </a:lnSpc>
+            </a:pPr>
+            <a:r>
+              <a:rPr lang="en-US" sz="2000">
+                <a:latin typeface="Helvetica Neue Regular" panose="02000503000000020004" charset="0"/>
+                <a:cs typeface="Helvetica Neue Regular" panose="02000503000000020004" charset="0"/>
+              </a:rPr>
+              <a:t>Id</a:t>
+            </a:r>
+            <a:endParaRPr lang="en-US" sz="2000">
+              <a:latin typeface="Helvetica Neue Regular" panose="02000503000000020004" charset="0"/>
+              <a:cs typeface="Helvetica Neue Regular" panose="02000503000000020004" charset="0"/>
+            </a:endParaRPr>
+          </a:p>
+          <a:p>
+            <a:pPr lvl="1">
+              <a:lnSpc>
+                <a:spcPct val="100000"/>
+              </a:lnSpc>
+            </a:pPr>
+            <a:endParaRPr lang="en-US" sz="2000">
+              <a:latin typeface="Helvetica Neue Regular" panose="02000503000000020004" charset="0"/>
+              <a:cs typeface="Helvetica Neue Regular" panose="02000503000000020004" charset="0"/>
+            </a:endParaRPr>
+          </a:p>
+        </p:txBody>
+      </p:sp>
+      <p:sp>
+        <p:nvSpPr>
           <p:cNvPr id="33" name="Title 32"/>
           <p:cNvSpPr>
             <a:spLocks noGrp="1"/>
@@ -3580,7 +3826,7 @@
                 <a:latin typeface="Helvetica Neue Regular" panose="02000503000000020004" charset="0"/>
                 <a:cs typeface="Helvetica Neue Regular" panose="02000503000000020004" charset="0"/>
               </a:rPr>
-              <a:t>Colour Theme</a:t>
+              <a:t>Backend Setup</a:t>
             </a:r>
             <a:endParaRPr lang="en-US" sz="3200">
               <a:latin typeface="Helvetica Neue Regular" panose="02000503000000020004" charset="0"/>
@@ -3589,54 +3835,6 @@
           </a:p>
         </p:txBody>
       </p:sp>
-      <p:pic>
-        <p:nvPicPr>
-          <p:cNvPr id="9" name="Picture 8"/>
-          <p:cNvPicPr>
-            <a:picLocks noChangeAspect="1"/>
-          </p:cNvPicPr>
-          <p:nvPr/>
-        </p:nvPicPr>
-        <p:blipFill>
-          <a:blip r:embed="rId1"/>
-          <a:stretch>
-            <a:fillRect/>
-          </a:stretch>
-        </p:blipFill>
-        <p:spPr>
-          <a:xfrm>
-            <a:off x="1754505" y="945515"/>
-            <a:ext cx="4201160" cy="5547360"/>
-          </a:xfrm>
-          <a:prstGeom prst="rect">
-            <a:avLst/>
-          </a:prstGeom>
-        </p:spPr>
-      </p:pic>
-      <p:pic>
-        <p:nvPicPr>
-          <p:cNvPr id="10" name="Picture 9"/>
-          <p:cNvPicPr>
-            <a:picLocks noChangeAspect="1"/>
-          </p:cNvPicPr>
-          <p:nvPr/>
-        </p:nvPicPr>
-        <p:blipFill>
-          <a:blip r:embed="rId2"/>
-          <a:stretch>
-            <a:fillRect/>
-          </a:stretch>
-        </p:blipFill>
-        <p:spPr>
-          <a:xfrm>
-            <a:off x="6306185" y="1070610"/>
-            <a:ext cx="4775200" cy="3625850"/>
-          </a:xfrm>
-          <a:prstGeom prst="rect">
-            <a:avLst/>
-          </a:prstGeom>
-        </p:spPr>
-      </p:pic>
     </p:spTree>
   </p:cSld>
   <p:clrMapOvr>
@@ -3657,7 +3855,121 @@
       <p:grpSpPr/>
       <p:sp>
         <p:nvSpPr>
-          <p:cNvPr id="7" name="Title 6"/>
+          <p:cNvPr id="3" name="Content Placeholder 2"/>
+          <p:cNvSpPr>
+            <a:spLocks noGrp="1"/>
+          </p:cNvSpPr>
+          <p:nvPr>
+            <p:ph idx="1"/>
+          </p:nvPr>
+        </p:nvSpPr>
+        <p:spPr>
+          <a:xfrm>
+            <a:off x="203200" y="946150"/>
+            <a:ext cx="11721465" cy="5700395"/>
+          </a:xfrm>
+        </p:spPr>
+        <p:txBody>
+          <a:bodyPr/>
+          <a:p>
+            <a:pPr>
+              <a:lnSpc>
+                <a:spcPct val="100000"/>
+              </a:lnSpc>
+            </a:pPr>
+            <a:r>
+              <a:rPr lang="en-US" sz="2400">
+                <a:latin typeface="Helvetica Neue Regular" panose="02000503000000020004" charset="0"/>
+                <a:cs typeface="Helvetica Neue Regular" panose="02000503000000020004" charset="0"/>
+              </a:rPr>
+              <a:t>Create users</a:t>
+            </a:r>
+            <a:endParaRPr lang="en-US" sz="2400">
+              <a:latin typeface="Helvetica Neue Regular" panose="02000503000000020004" charset="0"/>
+              <a:cs typeface="Helvetica Neue Regular" panose="02000503000000020004" charset="0"/>
+            </a:endParaRPr>
+          </a:p>
+          <a:p>
+            <a:pPr>
+              <a:lnSpc>
+                <a:spcPct val="100000"/>
+              </a:lnSpc>
+            </a:pPr>
+            <a:r>
+              <a:rPr lang="en-US" sz="2400">
+                <a:latin typeface="Helvetica Neue Regular" panose="02000503000000020004" charset="0"/>
+                <a:cs typeface="Helvetica Neue Regular" panose="02000503000000020004" charset="0"/>
+              </a:rPr>
+              <a:t>Log in and out</a:t>
+            </a:r>
+            <a:endParaRPr lang="en-US" sz="2400">
+              <a:latin typeface="Helvetica Neue Regular" panose="02000503000000020004" charset="0"/>
+              <a:cs typeface="Helvetica Neue Regular" panose="02000503000000020004" charset="0"/>
+            </a:endParaRPr>
+          </a:p>
+          <a:p>
+            <a:pPr>
+              <a:lnSpc>
+                <a:spcPct val="100000"/>
+              </a:lnSpc>
+            </a:pPr>
+            <a:r>
+              <a:rPr lang="en-US" sz="2400">
+                <a:latin typeface="Helvetica Neue Regular" panose="02000503000000020004" charset="0"/>
+                <a:cs typeface="Helvetica Neue Regular" panose="02000503000000020004" charset="0"/>
+              </a:rPr>
+              <a:t>Create a new post into the forum</a:t>
+            </a:r>
+            <a:endParaRPr lang="en-US" sz="2400">
+              <a:latin typeface="Helvetica Neue Regular" panose="02000503000000020004" charset="0"/>
+              <a:cs typeface="Helvetica Neue Regular" panose="02000503000000020004" charset="0"/>
+            </a:endParaRPr>
+          </a:p>
+          <a:p>
+            <a:pPr>
+              <a:lnSpc>
+                <a:spcPct val="100000"/>
+              </a:lnSpc>
+            </a:pPr>
+            <a:r>
+              <a:rPr lang="en-US" sz="2400">
+                <a:latin typeface="Helvetica Neue Regular" panose="02000503000000020004" charset="0"/>
+                <a:cs typeface="Helvetica Neue Regular" panose="02000503000000020004" charset="0"/>
+              </a:rPr>
+              <a:t>Reply to a post</a:t>
+            </a:r>
+            <a:endParaRPr lang="en-US" sz="2400">
+              <a:latin typeface="Helvetica Neue Regular" panose="02000503000000020004" charset="0"/>
+              <a:cs typeface="Helvetica Neue Regular" panose="02000503000000020004" charset="0"/>
+            </a:endParaRPr>
+          </a:p>
+          <a:p>
+            <a:pPr>
+              <a:lnSpc>
+                <a:spcPct val="100000"/>
+              </a:lnSpc>
+            </a:pPr>
+            <a:endParaRPr lang="en-US" sz="2000">
+              <a:latin typeface="Helvetica Neue Regular" panose="02000503000000020004" charset="0"/>
+              <a:cs typeface="Helvetica Neue Regular" panose="02000503000000020004" charset="0"/>
+            </a:endParaRPr>
+          </a:p>
+          <a:p>
+            <a:pPr lvl="1">
+              <a:lnSpc>
+                <a:spcPct val="100000"/>
+              </a:lnSpc>
+            </a:pPr>
+            <a:endParaRPr lang="en-US" sz="2000">
+              <a:latin typeface="Helvetica Neue Regular" panose="02000503000000020004" charset="0"/>
+              <a:cs typeface="Helvetica Neue Regular" panose="02000503000000020004" charset="0"/>
+            </a:endParaRPr>
+          </a:p>
+        </p:txBody>
+      </p:sp>
+      <p:sp>
+        <p:nvSpPr>
+          <p:cNvPr id="33" name="Title 32"/>
           <p:cNvSpPr>
             <a:spLocks noGrp="1"/>
           </p:cNvSpPr>
@@ -3667,7 +3979,7 @@
         </p:nvSpPr>
         <p:spPr>
           <a:xfrm>
-            <a:off x="102870" y="-99695"/>
+            <a:off x="68580" y="80010"/>
             <a:ext cx="10824210" cy="865505"/>
           </a:xfrm>
         </p:spPr>
@@ -3681,1641 +3993,11 @@
                 <a:latin typeface="Helvetica Neue Regular" panose="02000503000000020004" charset="0"/>
                 <a:cs typeface="Helvetica Neue Regular" panose="02000503000000020004" charset="0"/>
               </a:rPr>
-              <a:t>Adding Thread Counts/ Message Counts</a:t>
+              <a:t>Base Functionality (MVP)</a:t>
             </a:r>
             <a:endParaRPr lang="en-US" sz="3200">
               <a:latin typeface="Helvetica Neue Regular" panose="02000503000000020004" charset="0"/>
               <a:cs typeface="Helvetica Neue Regular" panose="02000503000000020004" charset="0"/>
-            </a:endParaRPr>
-          </a:p>
-        </p:txBody>
-      </p:sp>
-      <p:sp>
-        <p:nvSpPr>
-          <p:cNvPr id="4" name="Rectangles 3"/>
-          <p:cNvSpPr/>
-          <p:nvPr/>
-        </p:nvSpPr>
-        <p:spPr>
-          <a:xfrm>
-            <a:off x="1773555" y="653415"/>
-            <a:ext cx="8645525" cy="6089650"/>
-          </a:xfrm>
-          <a:prstGeom prst="rect">
-            <a:avLst/>
-          </a:prstGeom>
-          <a:solidFill>
-            <a:srgbClr val="000000">
-              <a:alpha val="0"/>
-            </a:srgbClr>
-          </a:solidFill>
-          <a:ln>
-            <a:solidFill>
-              <a:schemeClr val="tx1"/>
-            </a:solidFill>
-          </a:ln>
-        </p:spPr>
-        <p:style>
-          <a:lnRef idx="2">
-            <a:schemeClr val="accent1">
-              <a:shade val="50000"/>
-            </a:schemeClr>
-          </a:lnRef>
-          <a:fillRef idx="1">
-            <a:schemeClr val="accent1"/>
-          </a:fillRef>
-          <a:effectRef idx="0">
-            <a:schemeClr val="accent1"/>
-          </a:effectRef>
-          <a:fontRef idx="minor">
-            <a:schemeClr val="lt1"/>
-          </a:fontRef>
-        </p:style>
-        <p:txBody>
-          <a:bodyPr rtlCol="0" anchor="ctr"/>
-          <a:p>
-            <a:pPr algn="ctr"/>
-            <a:endParaRPr lang="en-US"/>
-          </a:p>
-        </p:txBody>
-      </p:sp>
-      <p:sp>
-        <p:nvSpPr>
-          <p:cNvPr id="5" name="Rectangles 4"/>
-          <p:cNvSpPr/>
-          <p:nvPr/>
-        </p:nvSpPr>
-        <p:spPr>
-          <a:xfrm>
-            <a:off x="1983740" y="1233170"/>
-            <a:ext cx="8086090" cy="1596390"/>
-          </a:xfrm>
-          <a:prstGeom prst="rect">
-            <a:avLst/>
-          </a:prstGeom>
-          <a:noFill/>
-          <a:ln>
-            <a:solidFill>
-              <a:schemeClr val="tx1"/>
-            </a:solidFill>
-          </a:ln>
-          <a:extLst>
-            <a:ext uri="{909E8E84-426E-40DD-AFC4-6F175D3DCCD1}">
-              <a14:hiddenFill xmlns:a14="http://schemas.microsoft.com/office/drawing/2010/main">
-                <a:solidFill>
-                  <a:schemeClr val="accent1"/>
-                </a:solidFill>
-              </a14:hiddenFill>
-            </a:ext>
-          </a:extLst>
-        </p:spPr>
-        <p:style>
-          <a:lnRef idx="2">
-            <a:schemeClr val="accent1">
-              <a:shade val="50000"/>
-            </a:schemeClr>
-          </a:lnRef>
-          <a:fillRef idx="1">
-            <a:schemeClr val="accent1"/>
-          </a:fillRef>
-          <a:effectRef idx="0">
-            <a:schemeClr val="accent1"/>
-          </a:effectRef>
-          <a:fontRef idx="minor">
-            <a:schemeClr val="lt1"/>
-          </a:fontRef>
-        </p:style>
-        <p:txBody>
-          <a:bodyPr rtlCol="0" anchor="t" anchorCtr="0"/>
-          <a:p>
-            <a:pPr algn="l"/>
-            <a:r>
-              <a:rPr lang="en-US">
-                <a:solidFill>
-                  <a:schemeClr val="tx1"/>
-                </a:solidFill>
-              </a:rPr>
-              <a:t>Welcome Center</a:t>
-            </a:r>
-            <a:endParaRPr lang="en-US">
-              <a:solidFill>
-                <a:schemeClr val="tx1"/>
-              </a:solidFill>
-            </a:endParaRPr>
-          </a:p>
-        </p:txBody>
-      </p:sp>
-      <p:sp>
-        <p:nvSpPr>
-          <p:cNvPr id="6" name="Rectangles 5"/>
-          <p:cNvSpPr/>
-          <p:nvPr/>
-        </p:nvSpPr>
-        <p:spPr>
-          <a:xfrm>
-            <a:off x="1983740" y="3032760"/>
-            <a:ext cx="8086090" cy="1596390"/>
-          </a:xfrm>
-          <a:prstGeom prst="rect">
-            <a:avLst/>
-          </a:prstGeom>
-          <a:noFill/>
-          <a:ln>
-            <a:solidFill>
-              <a:schemeClr val="tx1"/>
-            </a:solidFill>
-          </a:ln>
-          <a:extLst>
-            <a:ext uri="{909E8E84-426E-40DD-AFC4-6F175D3DCCD1}">
-              <a14:hiddenFill xmlns:a14="http://schemas.microsoft.com/office/drawing/2010/main">
-                <a:solidFill>
-                  <a:schemeClr val="accent1"/>
-                </a:solidFill>
-              </a14:hiddenFill>
-            </a:ext>
-          </a:extLst>
-        </p:spPr>
-        <p:style>
-          <a:lnRef idx="2">
-            <a:schemeClr val="accent1">
-              <a:shade val="50000"/>
-            </a:schemeClr>
-          </a:lnRef>
-          <a:fillRef idx="1">
-            <a:schemeClr val="accent1"/>
-          </a:fillRef>
-          <a:effectRef idx="0">
-            <a:schemeClr val="accent1"/>
-          </a:effectRef>
-          <a:fontRef idx="minor">
-            <a:schemeClr val="lt1"/>
-          </a:fontRef>
-        </p:style>
-        <p:txBody>
-          <a:bodyPr rtlCol="0" anchor="t" anchorCtr="0"/>
-          <a:p>
-            <a:pPr algn="l"/>
-            <a:r>
-              <a:rPr lang="en-US">
-                <a:solidFill>
-                  <a:schemeClr val="tx1"/>
-                </a:solidFill>
-              </a:rPr>
-              <a:t>Popular Places to Go (Limit to 5 to show)</a:t>
-            </a:r>
-            <a:endParaRPr lang="en-US">
-              <a:solidFill>
-                <a:schemeClr val="tx1"/>
-              </a:solidFill>
-            </a:endParaRPr>
-          </a:p>
-        </p:txBody>
-      </p:sp>
-      <p:sp>
-        <p:nvSpPr>
-          <p:cNvPr id="8" name="Rectangles 7"/>
-          <p:cNvSpPr/>
-          <p:nvPr/>
-        </p:nvSpPr>
-        <p:spPr>
-          <a:xfrm>
-            <a:off x="1983740" y="4884420"/>
-            <a:ext cx="8086090" cy="1596390"/>
-          </a:xfrm>
-          <a:prstGeom prst="rect">
-            <a:avLst/>
-          </a:prstGeom>
-          <a:noFill/>
-          <a:ln>
-            <a:solidFill>
-              <a:schemeClr val="tx1"/>
-            </a:solidFill>
-          </a:ln>
-          <a:extLst>
-            <a:ext uri="{909E8E84-426E-40DD-AFC4-6F175D3DCCD1}">
-              <a14:hiddenFill xmlns:a14="http://schemas.microsoft.com/office/drawing/2010/main">
-                <a:solidFill>
-                  <a:schemeClr val="accent1"/>
-                </a:solidFill>
-              </a14:hiddenFill>
-            </a:ext>
-          </a:extLst>
-        </p:spPr>
-        <p:style>
-          <a:lnRef idx="2">
-            <a:schemeClr val="accent1">
-              <a:shade val="50000"/>
-            </a:schemeClr>
-          </a:lnRef>
-          <a:fillRef idx="1">
-            <a:schemeClr val="accent1"/>
-          </a:fillRef>
-          <a:effectRef idx="0">
-            <a:schemeClr val="accent1"/>
-          </a:effectRef>
-          <a:fontRef idx="minor">
-            <a:schemeClr val="lt1"/>
-          </a:fontRef>
-        </p:style>
-        <p:txBody>
-          <a:bodyPr rtlCol="0" anchor="t" anchorCtr="0"/>
-          <a:p>
-            <a:pPr algn="l"/>
-            <a:r>
-              <a:rPr lang="en-US">
-                <a:solidFill>
-                  <a:schemeClr val="tx1"/>
-                </a:solidFill>
-              </a:rPr>
-              <a:t>General Discussions about {Singapore}</a:t>
-            </a:r>
-            <a:endParaRPr lang="en-US">
-              <a:solidFill>
-                <a:schemeClr val="tx1"/>
-              </a:solidFill>
-            </a:endParaRPr>
-          </a:p>
-        </p:txBody>
-      </p:sp>
-      <p:sp>
-        <p:nvSpPr>
-          <p:cNvPr id="9" name="Rectangles 8"/>
-          <p:cNvSpPr/>
-          <p:nvPr/>
-        </p:nvSpPr>
-        <p:spPr>
-          <a:xfrm>
-            <a:off x="2120265" y="1689100"/>
-            <a:ext cx="4311650" cy="410845"/>
-          </a:xfrm>
-          <a:prstGeom prst="rect">
-            <a:avLst/>
-          </a:prstGeom>
-          <a:noFill/>
-          <a:ln>
-            <a:solidFill>
-              <a:schemeClr val="tx1"/>
-            </a:solidFill>
-          </a:ln>
-          <a:extLst>
-            <a:ext uri="{909E8E84-426E-40DD-AFC4-6F175D3DCCD1}">
-              <a14:hiddenFill xmlns:a14="http://schemas.microsoft.com/office/drawing/2010/main">
-                <a:solidFill>
-                  <a:schemeClr val="accent1"/>
-                </a:solidFill>
-              </a14:hiddenFill>
-            </a:ext>
-          </a:extLst>
-        </p:spPr>
-        <p:style>
-          <a:lnRef idx="2">
-            <a:schemeClr val="accent1">
-              <a:shade val="50000"/>
-            </a:schemeClr>
-          </a:lnRef>
-          <a:fillRef idx="1">
-            <a:schemeClr val="accent1"/>
-          </a:fillRef>
-          <a:effectRef idx="0">
-            <a:schemeClr val="accent1"/>
-          </a:effectRef>
-          <a:fontRef idx="minor">
-            <a:schemeClr val="lt1"/>
-          </a:fontRef>
-        </p:style>
-        <p:txBody>
-          <a:bodyPr rtlCol="0" anchor="ctr"/>
-          <a:p>
-            <a:pPr marL="285750" indent="-285750" algn="l">
-              <a:buFont typeface="Arial" panose="020B0604020202090204" pitchFamily="34" charset="0"/>
-              <a:buChar char="•"/>
-            </a:pPr>
-            <a:r>
-              <a:rPr lang="en-US">
-                <a:solidFill>
-                  <a:schemeClr val="tx1"/>
-                </a:solidFill>
-              </a:rPr>
-              <a:t>Rules</a:t>
-            </a:r>
-            <a:endParaRPr lang="en-US">
-              <a:solidFill>
-                <a:schemeClr val="tx1"/>
-              </a:solidFill>
-            </a:endParaRPr>
-          </a:p>
-        </p:txBody>
-      </p:sp>
-      <p:sp>
-        <p:nvSpPr>
-          <p:cNvPr id="10" name="Rectangles 9"/>
-          <p:cNvSpPr/>
-          <p:nvPr/>
-        </p:nvSpPr>
-        <p:spPr>
-          <a:xfrm>
-            <a:off x="2120265" y="2204085"/>
-            <a:ext cx="4311650" cy="353695"/>
-          </a:xfrm>
-          <a:prstGeom prst="rect">
-            <a:avLst/>
-          </a:prstGeom>
-          <a:noFill/>
-          <a:ln>
-            <a:solidFill>
-              <a:schemeClr val="tx1"/>
-            </a:solidFill>
-          </a:ln>
-          <a:extLst>
-            <a:ext uri="{909E8E84-426E-40DD-AFC4-6F175D3DCCD1}">
-              <a14:hiddenFill xmlns:a14="http://schemas.microsoft.com/office/drawing/2010/main">
-                <a:solidFill>
-                  <a:schemeClr val="accent1"/>
-                </a:solidFill>
-              </a14:hiddenFill>
-            </a:ext>
-          </a:extLst>
-        </p:spPr>
-        <p:style>
-          <a:lnRef idx="2">
-            <a:schemeClr val="accent1">
-              <a:shade val="50000"/>
-            </a:schemeClr>
-          </a:lnRef>
-          <a:fillRef idx="1">
-            <a:schemeClr val="accent1"/>
-          </a:fillRef>
-          <a:effectRef idx="0">
-            <a:schemeClr val="accent1"/>
-          </a:effectRef>
-          <a:fontRef idx="minor">
-            <a:schemeClr val="lt1"/>
-          </a:fontRef>
-        </p:style>
-        <p:txBody>
-          <a:bodyPr rtlCol="0" anchor="ctr"/>
-          <a:p>
-            <a:pPr marL="285750" indent="-285750" algn="l">
-              <a:buFont typeface="Arial" panose="020B0604020202090204" pitchFamily="34" charset="0"/>
-              <a:buChar char="•"/>
-            </a:pPr>
-            <a:r>
-              <a:rPr lang="en-US">
-                <a:solidFill>
-                  <a:schemeClr val="tx1"/>
-                </a:solidFill>
-              </a:rPr>
-              <a:t>idk</a:t>
-            </a:r>
-            <a:endParaRPr lang="en-US">
-              <a:solidFill>
-                <a:schemeClr val="tx1"/>
-              </a:solidFill>
-            </a:endParaRPr>
-          </a:p>
-        </p:txBody>
-      </p:sp>
-      <p:sp>
-        <p:nvSpPr>
-          <p:cNvPr id="11" name="Rectangles 10"/>
-          <p:cNvSpPr/>
-          <p:nvPr/>
-        </p:nvSpPr>
-        <p:spPr>
-          <a:xfrm>
-            <a:off x="2120265" y="5297170"/>
-            <a:ext cx="4311650" cy="421640"/>
-          </a:xfrm>
-          <a:prstGeom prst="rect">
-            <a:avLst/>
-          </a:prstGeom>
-          <a:noFill/>
-          <a:ln>
-            <a:solidFill>
-              <a:schemeClr val="tx1"/>
-            </a:solidFill>
-          </a:ln>
-          <a:extLst>
-            <a:ext uri="{909E8E84-426E-40DD-AFC4-6F175D3DCCD1}">
-              <a14:hiddenFill xmlns:a14="http://schemas.microsoft.com/office/drawing/2010/main">
-                <a:solidFill>
-                  <a:schemeClr val="accent1"/>
-                </a:solidFill>
-              </a14:hiddenFill>
-            </a:ext>
-          </a:extLst>
-        </p:spPr>
-        <p:style>
-          <a:lnRef idx="2">
-            <a:schemeClr val="accent1">
-              <a:shade val="50000"/>
-            </a:schemeClr>
-          </a:lnRef>
-          <a:fillRef idx="1">
-            <a:schemeClr val="accent1"/>
-          </a:fillRef>
-          <a:effectRef idx="0">
-            <a:schemeClr val="accent1"/>
-          </a:effectRef>
-          <a:fontRef idx="minor">
-            <a:schemeClr val="lt1"/>
-          </a:fontRef>
-        </p:style>
-        <p:txBody>
-          <a:bodyPr rtlCol="0" anchor="ctr"/>
-          <a:p>
-            <a:pPr marL="285750" indent="-285750" algn="l">
-              <a:buFont typeface="Arial" panose="020B0604020202090204" pitchFamily="34" charset="0"/>
-              <a:buChar char="•"/>
-            </a:pPr>
-            <a:r>
-              <a:rPr lang="en-US">
-                <a:solidFill>
-                  <a:schemeClr val="tx1"/>
-                </a:solidFill>
-              </a:rPr>
-              <a:t>What to do at Airport</a:t>
-            </a:r>
-            <a:endParaRPr lang="en-US">
-              <a:solidFill>
-                <a:schemeClr val="tx1"/>
-              </a:solidFill>
-            </a:endParaRPr>
-          </a:p>
-        </p:txBody>
-      </p:sp>
-      <p:sp>
-        <p:nvSpPr>
-          <p:cNvPr id="12" name="Rectangles 11"/>
-          <p:cNvSpPr/>
-          <p:nvPr/>
-        </p:nvSpPr>
-        <p:spPr>
-          <a:xfrm>
-            <a:off x="2120265" y="3493135"/>
-            <a:ext cx="4265930" cy="410845"/>
-          </a:xfrm>
-          <a:prstGeom prst="rect">
-            <a:avLst/>
-          </a:prstGeom>
-          <a:noFill/>
-          <a:ln>
-            <a:solidFill>
-              <a:schemeClr val="tx1"/>
-            </a:solidFill>
-          </a:ln>
-          <a:extLst>
-            <a:ext uri="{909E8E84-426E-40DD-AFC4-6F175D3DCCD1}">
-              <a14:hiddenFill xmlns:a14="http://schemas.microsoft.com/office/drawing/2010/main">
-                <a:solidFill>
-                  <a:schemeClr val="accent1"/>
-                </a:solidFill>
-              </a14:hiddenFill>
-            </a:ext>
-          </a:extLst>
-        </p:spPr>
-        <p:style>
-          <a:lnRef idx="2">
-            <a:schemeClr val="accent1">
-              <a:shade val="50000"/>
-            </a:schemeClr>
-          </a:lnRef>
-          <a:fillRef idx="1">
-            <a:schemeClr val="accent1"/>
-          </a:fillRef>
-          <a:effectRef idx="0">
-            <a:schemeClr val="accent1"/>
-          </a:effectRef>
-          <a:fontRef idx="minor">
-            <a:schemeClr val="lt1"/>
-          </a:fontRef>
-        </p:style>
-        <p:txBody>
-          <a:bodyPr rtlCol="0" anchor="ctr"/>
-          <a:p>
-            <a:pPr marL="285750" indent="-285750" algn="l">
-              <a:buFont typeface="Arial" panose="020B0604020202090204" pitchFamily="34" charset="0"/>
-              <a:buChar char="•"/>
-            </a:pPr>
-            <a:r>
-              <a:rPr lang="en-US">
-                <a:solidFill>
-                  <a:schemeClr val="tx1"/>
-                </a:solidFill>
-              </a:rPr>
-              <a:t>Sentosa</a:t>
-            </a:r>
-            <a:endParaRPr lang="en-US">
-              <a:solidFill>
-                <a:schemeClr val="tx1"/>
-              </a:solidFill>
-            </a:endParaRPr>
-          </a:p>
-        </p:txBody>
-      </p:sp>
-      <p:sp>
-        <p:nvSpPr>
-          <p:cNvPr id="13" name="Rectangles 12"/>
-          <p:cNvSpPr/>
-          <p:nvPr/>
-        </p:nvSpPr>
-        <p:spPr>
-          <a:xfrm>
-            <a:off x="2120265" y="3996690"/>
-            <a:ext cx="4265930" cy="410845"/>
-          </a:xfrm>
-          <a:prstGeom prst="rect">
-            <a:avLst/>
-          </a:prstGeom>
-          <a:noFill/>
-          <a:ln>
-            <a:solidFill>
-              <a:schemeClr val="tx1"/>
-            </a:solidFill>
-          </a:ln>
-          <a:extLst>
-            <a:ext uri="{909E8E84-426E-40DD-AFC4-6F175D3DCCD1}">
-              <a14:hiddenFill xmlns:a14="http://schemas.microsoft.com/office/drawing/2010/main">
-                <a:solidFill>
-                  <a:schemeClr val="accent1"/>
-                </a:solidFill>
-              </a14:hiddenFill>
-            </a:ext>
-          </a:extLst>
-        </p:spPr>
-        <p:style>
-          <a:lnRef idx="2">
-            <a:schemeClr val="accent1">
-              <a:shade val="50000"/>
-            </a:schemeClr>
-          </a:lnRef>
-          <a:fillRef idx="1">
-            <a:schemeClr val="accent1"/>
-          </a:fillRef>
-          <a:effectRef idx="0">
-            <a:schemeClr val="accent1"/>
-          </a:effectRef>
-          <a:fontRef idx="minor">
-            <a:schemeClr val="lt1"/>
-          </a:fontRef>
-        </p:style>
-        <p:txBody>
-          <a:bodyPr rtlCol="0" anchor="ctr"/>
-          <a:p>
-            <a:pPr marL="285750" indent="-285750" algn="l">
-              <a:buFont typeface="Arial" panose="020B0604020202090204" pitchFamily="34" charset="0"/>
-              <a:buChar char="•"/>
-            </a:pPr>
-            <a:r>
-              <a:rPr lang="en-US">
-                <a:solidFill>
-                  <a:schemeClr val="tx1"/>
-                </a:solidFill>
-              </a:rPr>
-              <a:t>MBS</a:t>
-            </a:r>
-            <a:endParaRPr lang="en-US">
-              <a:solidFill>
-                <a:schemeClr val="tx1"/>
-              </a:solidFill>
-            </a:endParaRPr>
-          </a:p>
-        </p:txBody>
-      </p:sp>
-      <p:sp>
-        <p:nvSpPr>
-          <p:cNvPr id="14" name="Text Box 13"/>
-          <p:cNvSpPr txBox="1"/>
-          <p:nvPr/>
-        </p:nvSpPr>
-        <p:spPr>
-          <a:xfrm>
-            <a:off x="8526145" y="4329430"/>
-            <a:ext cx="2189480" cy="368300"/>
-          </a:xfrm>
-          <a:prstGeom prst="rect">
-            <a:avLst/>
-          </a:prstGeom>
-          <a:noFill/>
-        </p:spPr>
-        <p:txBody>
-          <a:bodyPr wrap="square" rtlCol="0">
-            <a:spAutoFit/>
-          </a:bodyPr>
-          <a:p>
-            <a:r>
-              <a:rPr lang="en-US"/>
-              <a:t>Click for more</a:t>
-            </a:r>
-            <a:endParaRPr lang="en-US"/>
-          </a:p>
-        </p:txBody>
-      </p:sp>
-      <p:sp>
-        <p:nvSpPr>
-          <p:cNvPr id="15" name="Rectangles 14"/>
-          <p:cNvSpPr/>
-          <p:nvPr/>
-        </p:nvSpPr>
-        <p:spPr>
-          <a:xfrm>
-            <a:off x="2120265" y="5838190"/>
-            <a:ext cx="4311650" cy="410845"/>
-          </a:xfrm>
-          <a:prstGeom prst="rect">
-            <a:avLst/>
-          </a:prstGeom>
-          <a:noFill/>
-          <a:ln>
-            <a:solidFill>
-              <a:schemeClr val="tx1"/>
-            </a:solidFill>
-          </a:ln>
-          <a:extLst>
-            <a:ext uri="{909E8E84-426E-40DD-AFC4-6F175D3DCCD1}">
-              <a14:hiddenFill xmlns:a14="http://schemas.microsoft.com/office/drawing/2010/main">
-                <a:solidFill>
-                  <a:schemeClr val="accent1"/>
-                </a:solidFill>
-              </a14:hiddenFill>
-            </a:ext>
-          </a:extLst>
-        </p:spPr>
-        <p:style>
-          <a:lnRef idx="2">
-            <a:schemeClr val="accent1">
-              <a:shade val="50000"/>
-            </a:schemeClr>
-          </a:lnRef>
-          <a:fillRef idx="1">
-            <a:schemeClr val="accent1"/>
-          </a:fillRef>
-          <a:effectRef idx="0">
-            <a:schemeClr val="accent1"/>
-          </a:effectRef>
-          <a:fontRef idx="minor">
-            <a:schemeClr val="lt1"/>
-          </a:fontRef>
-        </p:style>
-        <p:txBody>
-          <a:bodyPr rtlCol="0" anchor="ctr"/>
-          <a:p>
-            <a:pPr marL="285750" indent="-285750" algn="l">
-              <a:buFont typeface="Arial" panose="020B0604020202090204" pitchFamily="34" charset="0"/>
-              <a:buChar char="•"/>
-            </a:pPr>
-            <a:r>
-              <a:rPr lang="en-US">
-                <a:solidFill>
-                  <a:schemeClr val="tx1"/>
-                </a:solidFill>
-              </a:rPr>
-              <a:t>What to eat </a:t>
-            </a:r>
-            <a:endParaRPr lang="en-US">
-              <a:solidFill>
-                <a:schemeClr val="tx1"/>
-              </a:solidFill>
-            </a:endParaRPr>
-          </a:p>
-        </p:txBody>
-      </p:sp>
-      <p:sp>
-        <p:nvSpPr>
-          <p:cNvPr id="16" name="Text Box 15"/>
-          <p:cNvSpPr txBox="1"/>
-          <p:nvPr/>
-        </p:nvSpPr>
-        <p:spPr>
-          <a:xfrm>
-            <a:off x="8526145" y="6169660"/>
-            <a:ext cx="2189480" cy="368300"/>
-          </a:xfrm>
-          <a:prstGeom prst="rect">
-            <a:avLst/>
-          </a:prstGeom>
-          <a:noFill/>
-        </p:spPr>
-        <p:txBody>
-          <a:bodyPr wrap="square" rtlCol="0">
-            <a:spAutoFit/>
-          </a:bodyPr>
-          <a:p>
-            <a:r>
-              <a:rPr lang="en-US"/>
-              <a:t>Click for more</a:t>
-            </a:r>
-            <a:endParaRPr lang="en-US"/>
-          </a:p>
-        </p:txBody>
-      </p:sp>
-      <p:sp>
-        <p:nvSpPr>
-          <p:cNvPr id="17" name="Rectangles 16"/>
-          <p:cNvSpPr/>
-          <p:nvPr/>
-        </p:nvSpPr>
-        <p:spPr>
-          <a:xfrm>
-            <a:off x="1983740" y="765810"/>
-            <a:ext cx="8086725" cy="341630"/>
-          </a:xfrm>
-          <a:prstGeom prst="rect">
-            <a:avLst/>
-          </a:prstGeom>
-          <a:noFill/>
-          <a:ln>
-            <a:solidFill>
-              <a:schemeClr val="tx1"/>
-            </a:solidFill>
-          </a:ln>
-          <a:extLst>
-            <a:ext uri="{909E8E84-426E-40DD-AFC4-6F175D3DCCD1}">
-              <a14:hiddenFill xmlns:a14="http://schemas.microsoft.com/office/drawing/2010/main">
-                <a:solidFill>
-                  <a:schemeClr val="accent1"/>
-                </a:solidFill>
-              </a14:hiddenFill>
-            </a:ext>
-          </a:extLst>
-        </p:spPr>
-        <p:style>
-          <a:lnRef idx="2">
-            <a:schemeClr val="accent1">
-              <a:shade val="50000"/>
-            </a:schemeClr>
-          </a:lnRef>
-          <a:fillRef idx="1">
-            <a:schemeClr val="accent1"/>
-          </a:fillRef>
-          <a:effectRef idx="0">
-            <a:schemeClr val="accent1"/>
-          </a:effectRef>
-          <a:fontRef idx="minor">
-            <a:schemeClr val="lt1"/>
-          </a:fontRef>
-        </p:style>
-        <p:txBody>
-          <a:bodyPr rtlCol="0" anchor="ctr"/>
-          <a:p>
-            <a:pPr algn="l"/>
-            <a:r>
-              <a:rPr lang="en-US">
-                <a:solidFill>
-                  <a:schemeClr val="tx1"/>
-                </a:solidFill>
-              </a:rPr>
-              <a:t>Search - Search for word that appears in title</a:t>
-            </a:r>
-            <a:endParaRPr lang="en-US">
-              <a:solidFill>
-                <a:schemeClr val="tx1"/>
-              </a:solidFill>
-            </a:endParaRPr>
-          </a:p>
-        </p:txBody>
-      </p:sp>
-      <p:sp>
-        <p:nvSpPr>
-          <p:cNvPr id="18" name="Text Box 17"/>
-          <p:cNvSpPr txBox="1"/>
-          <p:nvPr/>
-        </p:nvSpPr>
-        <p:spPr>
-          <a:xfrm>
-            <a:off x="8532495" y="2534285"/>
-            <a:ext cx="2189480" cy="368300"/>
-          </a:xfrm>
-          <a:prstGeom prst="rect">
-            <a:avLst/>
-          </a:prstGeom>
-          <a:noFill/>
-        </p:spPr>
-        <p:txBody>
-          <a:bodyPr wrap="square" rtlCol="0">
-            <a:spAutoFit/>
-          </a:bodyPr>
-          <a:p>
-            <a:r>
-              <a:rPr lang="en-US"/>
-              <a:t>Click for more</a:t>
-            </a:r>
-            <a:endParaRPr lang="en-US"/>
-          </a:p>
-        </p:txBody>
-      </p:sp>
-      <p:sp>
-        <p:nvSpPr>
-          <p:cNvPr id="19" name="Rectangles 18"/>
-          <p:cNvSpPr/>
-          <p:nvPr/>
-        </p:nvSpPr>
-        <p:spPr>
-          <a:xfrm>
-            <a:off x="6767195" y="1689100"/>
-            <a:ext cx="1163955" cy="410845"/>
-          </a:xfrm>
-          <a:prstGeom prst="rect">
-            <a:avLst/>
-          </a:prstGeom>
-          <a:noFill/>
-          <a:ln>
-            <a:solidFill>
-              <a:schemeClr val="tx1"/>
-            </a:solidFill>
-          </a:ln>
-          <a:extLst>
-            <a:ext uri="{909E8E84-426E-40DD-AFC4-6F175D3DCCD1}">
-              <a14:hiddenFill xmlns:a14="http://schemas.microsoft.com/office/drawing/2010/main">
-                <a:solidFill>
-                  <a:schemeClr val="accent1"/>
-                </a:solidFill>
-              </a14:hiddenFill>
-            </a:ext>
-          </a:extLst>
-        </p:spPr>
-        <p:style>
-          <a:lnRef idx="2">
-            <a:schemeClr val="accent1">
-              <a:shade val="50000"/>
-            </a:schemeClr>
-          </a:lnRef>
-          <a:fillRef idx="1">
-            <a:schemeClr val="accent1"/>
-          </a:fillRef>
-          <a:effectRef idx="0">
-            <a:schemeClr val="accent1"/>
-          </a:effectRef>
-          <a:fontRef idx="minor">
-            <a:schemeClr val="lt1"/>
-          </a:fontRef>
-        </p:style>
-        <p:txBody>
-          <a:bodyPr rtlCol="0" anchor="ctr"/>
-          <a:p>
-            <a:pPr indent="0" algn="l">
-              <a:buNone/>
-            </a:pPr>
-            <a:r>
-              <a:rPr lang="en-US" sz="1600">
-                <a:solidFill>
-                  <a:schemeClr val="tx1"/>
-                </a:solidFill>
-              </a:rPr>
-              <a:t>Thread Ct.</a:t>
-            </a:r>
-            <a:endParaRPr lang="en-US" sz="1600">
-              <a:solidFill>
-                <a:schemeClr val="tx1"/>
-              </a:solidFill>
-            </a:endParaRPr>
-          </a:p>
-        </p:txBody>
-      </p:sp>
-      <p:sp>
-        <p:nvSpPr>
-          <p:cNvPr id="20" name="Rectangles 19"/>
-          <p:cNvSpPr/>
-          <p:nvPr/>
-        </p:nvSpPr>
-        <p:spPr>
-          <a:xfrm>
-            <a:off x="8267065" y="1689100"/>
-            <a:ext cx="1163955" cy="410845"/>
-          </a:xfrm>
-          <a:prstGeom prst="rect">
-            <a:avLst/>
-          </a:prstGeom>
-          <a:noFill/>
-          <a:ln>
-            <a:solidFill>
-              <a:schemeClr val="tx1"/>
-            </a:solidFill>
-          </a:ln>
-          <a:extLst>
-            <a:ext uri="{909E8E84-426E-40DD-AFC4-6F175D3DCCD1}">
-              <a14:hiddenFill xmlns:a14="http://schemas.microsoft.com/office/drawing/2010/main">
-                <a:solidFill>
-                  <a:schemeClr val="accent1"/>
-                </a:solidFill>
-              </a14:hiddenFill>
-            </a:ext>
-          </a:extLst>
-        </p:spPr>
-        <p:style>
-          <a:lnRef idx="2">
-            <a:schemeClr val="accent1">
-              <a:shade val="50000"/>
-            </a:schemeClr>
-          </a:lnRef>
-          <a:fillRef idx="1">
-            <a:schemeClr val="accent1"/>
-          </a:fillRef>
-          <a:effectRef idx="0">
-            <a:schemeClr val="accent1"/>
-          </a:effectRef>
-          <a:fontRef idx="minor">
-            <a:schemeClr val="lt1"/>
-          </a:fontRef>
-        </p:style>
-        <p:txBody>
-          <a:bodyPr rtlCol="0" anchor="ctr"/>
-          <a:p>
-            <a:pPr indent="0" algn="l">
-              <a:buNone/>
-            </a:pPr>
-            <a:r>
-              <a:rPr lang="en-US" sz="1600">
-                <a:solidFill>
-                  <a:schemeClr val="tx1"/>
-                </a:solidFill>
-              </a:rPr>
-              <a:t>Msg Ct.</a:t>
-            </a:r>
-            <a:endParaRPr lang="en-US" sz="1600">
-              <a:solidFill>
-                <a:schemeClr val="tx1"/>
-              </a:solidFill>
-            </a:endParaRPr>
-          </a:p>
-        </p:txBody>
-      </p:sp>
-      <p:sp>
-        <p:nvSpPr>
-          <p:cNvPr id="21" name="Rectangles 20"/>
-          <p:cNvSpPr/>
-          <p:nvPr/>
-        </p:nvSpPr>
-        <p:spPr>
-          <a:xfrm>
-            <a:off x="6767195" y="2175510"/>
-            <a:ext cx="1163955" cy="410845"/>
-          </a:xfrm>
-          <a:prstGeom prst="rect">
-            <a:avLst/>
-          </a:prstGeom>
-          <a:noFill/>
-          <a:ln>
-            <a:solidFill>
-              <a:schemeClr val="tx1"/>
-            </a:solidFill>
-          </a:ln>
-          <a:extLst>
-            <a:ext uri="{909E8E84-426E-40DD-AFC4-6F175D3DCCD1}">
-              <a14:hiddenFill xmlns:a14="http://schemas.microsoft.com/office/drawing/2010/main">
-                <a:solidFill>
-                  <a:schemeClr val="accent1"/>
-                </a:solidFill>
-              </a14:hiddenFill>
-            </a:ext>
-          </a:extLst>
-        </p:spPr>
-        <p:style>
-          <a:lnRef idx="2">
-            <a:schemeClr val="accent1">
-              <a:shade val="50000"/>
-            </a:schemeClr>
-          </a:lnRef>
-          <a:fillRef idx="1">
-            <a:schemeClr val="accent1"/>
-          </a:fillRef>
-          <a:effectRef idx="0">
-            <a:schemeClr val="accent1"/>
-          </a:effectRef>
-          <a:fontRef idx="minor">
-            <a:schemeClr val="lt1"/>
-          </a:fontRef>
-        </p:style>
-        <p:txBody>
-          <a:bodyPr rtlCol="0" anchor="ctr"/>
-          <a:p>
-            <a:pPr indent="0" algn="l">
-              <a:buNone/>
-            </a:pPr>
-            <a:r>
-              <a:rPr lang="en-US" sz="1600">
-                <a:solidFill>
-                  <a:schemeClr val="tx1"/>
-                </a:solidFill>
-              </a:rPr>
-              <a:t>Thread Ct.</a:t>
-            </a:r>
-            <a:endParaRPr lang="en-US" sz="1600">
-              <a:solidFill>
-                <a:schemeClr val="tx1"/>
-              </a:solidFill>
-            </a:endParaRPr>
-          </a:p>
-        </p:txBody>
-      </p:sp>
-      <p:sp>
-        <p:nvSpPr>
-          <p:cNvPr id="22" name="Rectangles 21"/>
-          <p:cNvSpPr/>
-          <p:nvPr/>
-        </p:nvSpPr>
-        <p:spPr>
-          <a:xfrm>
-            <a:off x="8267065" y="5297170"/>
-            <a:ext cx="1163955" cy="410845"/>
-          </a:xfrm>
-          <a:prstGeom prst="rect">
-            <a:avLst/>
-          </a:prstGeom>
-          <a:noFill/>
-          <a:ln>
-            <a:solidFill>
-              <a:schemeClr val="tx1"/>
-            </a:solidFill>
-          </a:ln>
-          <a:extLst>
-            <a:ext uri="{909E8E84-426E-40DD-AFC4-6F175D3DCCD1}">
-              <a14:hiddenFill xmlns:a14="http://schemas.microsoft.com/office/drawing/2010/main">
-                <a:solidFill>
-                  <a:schemeClr val="accent1"/>
-                </a:solidFill>
-              </a14:hiddenFill>
-            </a:ext>
-          </a:extLst>
-        </p:spPr>
-        <p:style>
-          <a:lnRef idx="2">
-            <a:schemeClr val="accent1">
-              <a:shade val="50000"/>
-            </a:schemeClr>
-          </a:lnRef>
-          <a:fillRef idx="1">
-            <a:schemeClr val="accent1"/>
-          </a:fillRef>
-          <a:effectRef idx="0">
-            <a:schemeClr val="accent1"/>
-          </a:effectRef>
-          <a:fontRef idx="minor">
-            <a:schemeClr val="lt1"/>
-          </a:fontRef>
-        </p:style>
-        <p:txBody>
-          <a:bodyPr rtlCol="0" anchor="ctr"/>
-          <a:p>
-            <a:pPr indent="0" algn="l">
-              <a:buNone/>
-            </a:pPr>
-            <a:r>
-              <a:rPr lang="en-US" sz="1600">
-                <a:solidFill>
-                  <a:schemeClr val="tx1"/>
-                </a:solidFill>
-              </a:rPr>
-              <a:t>Msg Ct.</a:t>
-            </a:r>
-            <a:endParaRPr lang="en-US" sz="1600">
-              <a:solidFill>
-                <a:schemeClr val="tx1"/>
-              </a:solidFill>
-            </a:endParaRPr>
-          </a:p>
-        </p:txBody>
-      </p:sp>
-      <p:sp>
-        <p:nvSpPr>
-          <p:cNvPr id="23" name="Rectangles 22"/>
-          <p:cNvSpPr/>
-          <p:nvPr/>
-        </p:nvSpPr>
-        <p:spPr>
-          <a:xfrm>
-            <a:off x="6767195" y="3493135"/>
-            <a:ext cx="1163955" cy="410845"/>
-          </a:xfrm>
-          <a:prstGeom prst="rect">
-            <a:avLst/>
-          </a:prstGeom>
-          <a:noFill/>
-          <a:ln>
-            <a:solidFill>
-              <a:schemeClr val="tx1"/>
-            </a:solidFill>
-          </a:ln>
-          <a:extLst>
-            <a:ext uri="{909E8E84-426E-40DD-AFC4-6F175D3DCCD1}">
-              <a14:hiddenFill xmlns:a14="http://schemas.microsoft.com/office/drawing/2010/main">
-                <a:solidFill>
-                  <a:schemeClr val="accent1"/>
-                </a:solidFill>
-              </a14:hiddenFill>
-            </a:ext>
-          </a:extLst>
-        </p:spPr>
-        <p:style>
-          <a:lnRef idx="2">
-            <a:schemeClr val="accent1">
-              <a:shade val="50000"/>
-            </a:schemeClr>
-          </a:lnRef>
-          <a:fillRef idx="1">
-            <a:schemeClr val="accent1"/>
-          </a:fillRef>
-          <a:effectRef idx="0">
-            <a:schemeClr val="accent1"/>
-          </a:effectRef>
-          <a:fontRef idx="minor">
-            <a:schemeClr val="lt1"/>
-          </a:fontRef>
-        </p:style>
-        <p:txBody>
-          <a:bodyPr rtlCol="0" anchor="ctr"/>
-          <a:p>
-            <a:pPr indent="0" algn="l">
-              <a:buNone/>
-            </a:pPr>
-            <a:r>
-              <a:rPr lang="en-US" sz="1600">
-                <a:solidFill>
-                  <a:schemeClr val="tx1"/>
-                </a:solidFill>
-              </a:rPr>
-              <a:t>Thread Ct.</a:t>
-            </a:r>
-            <a:endParaRPr lang="en-US" sz="1600">
-              <a:solidFill>
-                <a:schemeClr val="tx1"/>
-              </a:solidFill>
-            </a:endParaRPr>
-          </a:p>
-        </p:txBody>
-      </p:sp>
-      <p:sp>
-        <p:nvSpPr>
-          <p:cNvPr id="24" name="Rectangles 23"/>
-          <p:cNvSpPr/>
-          <p:nvPr/>
-        </p:nvSpPr>
-        <p:spPr>
-          <a:xfrm>
-            <a:off x="8267065" y="2204085"/>
-            <a:ext cx="1163955" cy="410845"/>
-          </a:xfrm>
-          <a:prstGeom prst="rect">
-            <a:avLst/>
-          </a:prstGeom>
-          <a:noFill/>
-          <a:ln>
-            <a:solidFill>
-              <a:schemeClr val="tx1"/>
-            </a:solidFill>
-          </a:ln>
-          <a:extLst>
-            <a:ext uri="{909E8E84-426E-40DD-AFC4-6F175D3DCCD1}">
-              <a14:hiddenFill xmlns:a14="http://schemas.microsoft.com/office/drawing/2010/main">
-                <a:solidFill>
-                  <a:schemeClr val="accent1"/>
-                </a:solidFill>
-              </a14:hiddenFill>
-            </a:ext>
-          </a:extLst>
-        </p:spPr>
-        <p:style>
-          <a:lnRef idx="2">
-            <a:schemeClr val="accent1">
-              <a:shade val="50000"/>
-            </a:schemeClr>
-          </a:lnRef>
-          <a:fillRef idx="1">
-            <a:schemeClr val="accent1"/>
-          </a:fillRef>
-          <a:effectRef idx="0">
-            <a:schemeClr val="accent1"/>
-          </a:effectRef>
-          <a:fontRef idx="minor">
-            <a:schemeClr val="lt1"/>
-          </a:fontRef>
-        </p:style>
-        <p:txBody>
-          <a:bodyPr rtlCol="0" anchor="ctr"/>
-          <a:p>
-            <a:pPr indent="0" algn="l">
-              <a:buNone/>
-            </a:pPr>
-            <a:r>
-              <a:rPr lang="en-US" sz="1600">
-                <a:solidFill>
-                  <a:schemeClr val="tx1"/>
-                </a:solidFill>
-              </a:rPr>
-              <a:t>Msg Ct.</a:t>
-            </a:r>
-            <a:endParaRPr lang="en-US" sz="1600">
-              <a:solidFill>
-                <a:schemeClr val="tx1"/>
-              </a:solidFill>
-            </a:endParaRPr>
-          </a:p>
-        </p:txBody>
-      </p:sp>
-      <p:sp>
-        <p:nvSpPr>
-          <p:cNvPr id="25" name="Rectangles 24"/>
-          <p:cNvSpPr/>
-          <p:nvPr/>
-        </p:nvSpPr>
-        <p:spPr>
-          <a:xfrm>
-            <a:off x="6767195" y="3996690"/>
-            <a:ext cx="1163955" cy="410845"/>
-          </a:xfrm>
-          <a:prstGeom prst="rect">
-            <a:avLst/>
-          </a:prstGeom>
-          <a:noFill/>
-          <a:ln>
-            <a:solidFill>
-              <a:schemeClr val="tx1"/>
-            </a:solidFill>
-          </a:ln>
-          <a:extLst>
-            <a:ext uri="{909E8E84-426E-40DD-AFC4-6F175D3DCCD1}">
-              <a14:hiddenFill xmlns:a14="http://schemas.microsoft.com/office/drawing/2010/main">
-                <a:solidFill>
-                  <a:schemeClr val="accent1"/>
-                </a:solidFill>
-              </a14:hiddenFill>
-            </a:ext>
-          </a:extLst>
-        </p:spPr>
-        <p:style>
-          <a:lnRef idx="2">
-            <a:schemeClr val="accent1">
-              <a:shade val="50000"/>
-            </a:schemeClr>
-          </a:lnRef>
-          <a:fillRef idx="1">
-            <a:schemeClr val="accent1"/>
-          </a:fillRef>
-          <a:effectRef idx="0">
-            <a:schemeClr val="accent1"/>
-          </a:effectRef>
-          <a:fontRef idx="minor">
-            <a:schemeClr val="lt1"/>
-          </a:fontRef>
-        </p:style>
-        <p:txBody>
-          <a:bodyPr rtlCol="0" anchor="ctr"/>
-          <a:p>
-            <a:pPr indent="0" algn="l">
-              <a:buNone/>
-            </a:pPr>
-            <a:r>
-              <a:rPr lang="en-US" sz="1600">
-                <a:solidFill>
-                  <a:schemeClr val="tx1"/>
-                </a:solidFill>
-              </a:rPr>
-              <a:t>Thread Ct.</a:t>
-            </a:r>
-            <a:endParaRPr lang="en-US" sz="1600">
-              <a:solidFill>
-                <a:schemeClr val="tx1"/>
-              </a:solidFill>
-            </a:endParaRPr>
-          </a:p>
-        </p:txBody>
-      </p:sp>
-      <p:sp>
-        <p:nvSpPr>
-          <p:cNvPr id="26" name="Rectangles 25"/>
-          <p:cNvSpPr/>
-          <p:nvPr/>
-        </p:nvSpPr>
-        <p:spPr>
-          <a:xfrm>
-            <a:off x="8267065" y="3996690"/>
-            <a:ext cx="1163955" cy="410845"/>
-          </a:xfrm>
-          <a:prstGeom prst="rect">
-            <a:avLst/>
-          </a:prstGeom>
-          <a:noFill/>
-          <a:ln>
-            <a:solidFill>
-              <a:schemeClr val="tx1"/>
-            </a:solidFill>
-          </a:ln>
-          <a:extLst>
-            <a:ext uri="{909E8E84-426E-40DD-AFC4-6F175D3DCCD1}">
-              <a14:hiddenFill xmlns:a14="http://schemas.microsoft.com/office/drawing/2010/main">
-                <a:solidFill>
-                  <a:schemeClr val="accent1"/>
-                </a:solidFill>
-              </a14:hiddenFill>
-            </a:ext>
-          </a:extLst>
-        </p:spPr>
-        <p:style>
-          <a:lnRef idx="2">
-            <a:schemeClr val="accent1">
-              <a:shade val="50000"/>
-            </a:schemeClr>
-          </a:lnRef>
-          <a:fillRef idx="1">
-            <a:schemeClr val="accent1"/>
-          </a:fillRef>
-          <a:effectRef idx="0">
-            <a:schemeClr val="accent1"/>
-          </a:effectRef>
-          <a:fontRef idx="minor">
-            <a:schemeClr val="lt1"/>
-          </a:fontRef>
-        </p:style>
-        <p:txBody>
-          <a:bodyPr rtlCol="0" anchor="ctr"/>
-          <a:p>
-            <a:pPr indent="0" algn="l">
-              <a:buNone/>
-            </a:pPr>
-            <a:r>
-              <a:rPr lang="en-US" sz="1600">
-                <a:solidFill>
-                  <a:schemeClr val="tx1"/>
-                </a:solidFill>
-              </a:rPr>
-              <a:t>Msg Ct.</a:t>
-            </a:r>
-            <a:endParaRPr lang="en-US" sz="1600">
-              <a:solidFill>
-                <a:schemeClr val="tx1"/>
-              </a:solidFill>
-            </a:endParaRPr>
-          </a:p>
-        </p:txBody>
-      </p:sp>
-      <p:sp>
-        <p:nvSpPr>
-          <p:cNvPr id="27" name="Rectangles 26"/>
-          <p:cNvSpPr/>
-          <p:nvPr/>
-        </p:nvSpPr>
-        <p:spPr>
-          <a:xfrm>
-            <a:off x="6767195" y="5297170"/>
-            <a:ext cx="1163955" cy="410845"/>
-          </a:xfrm>
-          <a:prstGeom prst="rect">
-            <a:avLst/>
-          </a:prstGeom>
-          <a:noFill/>
-          <a:ln>
-            <a:solidFill>
-              <a:schemeClr val="tx1"/>
-            </a:solidFill>
-          </a:ln>
-          <a:extLst>
-            <a:ext uri="{909E8E84-426E-40DD-AFC4-6F175D3DCCD1}">
-              <a14:hiddenFill xmlns:a14="http://schemas.microsoft.com/office/drawing/2010/main">
-                <a:solidFill>
-                  <a:schemeClr val="accent1"/>
-                </a:solidFill>
-              </a14:hiddenFill>
-            </a:ext>
-          </a:extLst>
-        </p:spPr>
-        <p:style>
-          <a:lnRef idx="2">
-            <a:schemeClr val="accent1">
-              <a:shade val="50000"/>
-            </a:schemeClr>
-          </a:lnRef>
-          <a:fillRef idx="1">
-            <a:schemeClr val="accent1"/>
-          </a:fillRef>
-          <a:effectRef idx="0">
-            <a:schemeClr val="accent1"/>
-          </a:effectRef>
-          <a:fontRef idx="minor">
-            <a:schemeClr val="lt1"/>
-          </a:fontRef>
-        </p:style>
-        <p:txBody>
-          <a:bodyPr rtlCol="0" anchor="ctr"/>
-          <a:p>
-            <a:pPr indent="0" algn="l">
-              <a:buNone/>
-            </a:pPr>
-            <a:r>
-              <a:rPr lang="en-US" sz="1600">
-                <a:solidFill>
-                  <a:schemeClr val="tx1"/>
-                </a:solidFill>
-              </a:rPr>
-              <a:t>Thread Ct.</a:t>
-            </a:r>
-            <a:endParaRPr lang="en-US" sz="1600">
-              <a:solidFill>
-                <a:schemeClr val="tx1"/>
-              </a:solidFill>
-            </a:endParaRPr>
-          </a:p>
-        </p:txBody>
-      </p:sp>
-      <p:sp>
-        <p:nvSpPr>
-          <p:cNvPr id="28" name="Rectangles 27"/>
-          <p:cNvSpPr/>
-          <p:nvPr/>
-        </p:nvSpPr>
-        <p:spPr>
-          <a:xfrm>
-            <a:off x="6767195" y="5838190"/>
-            <a:ext cx="1163955" cy="410845"/>
-          </a:xfrm>
-          <a:prstGeom prst="rect">
-            <a:avLst/>
-          </a:prstGeom>
-          <a:noFill/>
-          <a:ln>
-            <a:solidFill>
-              <a:schemeClr val="tx1"/>
-            </a:solidFill>
-          </a:ln>
-          <a:extLst>
-            <a:ext uri="{909E8E84-426E-40DD-AFC4-6F175D3DCCD1}">
-              <a14:hiddenFill xmlns:a14="http://schemas.microsoft.com/office/drawing/2010/main">
-                <a:solidFill>
-                  <a:schemeClr val="accent1"/>
-                </a:solidFill>
-              </a14:hiddenFill>
-            </a:ext>
-          </a:extLst>
-        </p:spPr>
-        <p:style>
-          <a:lnRef idx="2">
-            <a:schemeClr val="accent1">
-              <a:shade val="50000"/>
-            </a:schemeClr>
-          </a:lnRef>
-          <a:fillRef idx="1">
-            <a:schemeClr val="accent1"/>
-          </a:fillRef>
-          <a:effectRef idx="0">
-            <a:schemeClr val="accent1"/>
-          </a:effectRef>
-          <a:fontRef idx="minor">
-            <a:schemeClr val="lt1"/>
-          </a:fontRef>
-        </p:style>
-        <p:txBody>
-          <a:bodyPr rtlCol="0" anchor="ctr"/>
-          <a:p>
-            <a:pPr indent="0" algn="l">
-              <a:buNone/>
-            </a:pPr>
-            <a:r>
-              <a:rPr lang="en-US" sz="1600">
-                <a:solidFill>
-                  <a:schemeClr val="tx1"/>
-                </a:solidFill>
-              </a:rPr>
-              <a:t>Thread Ct.</a:t>
-            </a:r>
-            <a:endParaRPr lang="en-US" sz="1600">
-              <a:solidFill>
-                <a:schemeClr val="tx1"/>
-              </a:solidFill>
-            </a:endParaRPr>
-          </a:p>
-        </p:txBody>
-      </p:sp>
-      <p:sp>
-        <p:nvSpPr>
-          <p:cNvPr id="29" name="Rectangles 28"/>
-          <p:cNvSpPr/>
-          <p:nvPr/>
-        </p:nvSpPr>
-        <p:spPr>
-          <a:xfrm>
-            <a:off x="8267065" y="3493135"/>
-            <a:ext cx="1163955" cy="410845"/>
-          </a:xfrm>
-          <a:prstGeom prst="rect">
-            <a:avLst/>
-          </a:prstGeom>
-          <a:noFill/>
-          <a:ln>
-            <a:solidFill>
-              <a:schemeClr val="tx1"/>
-            </a:solidFill>
-          </a:ln>
-          <a:extLst>
-            <a:ext uri="{909E8E84-426E-40DD-AFC4-6F175D3DCCD1}">
-              <a14:hiddenFill xmlns:a14="http://schemas.microsoft.com/office/drawing/2010/main">
-                <a:solidFill>
-                  <a:schemeClr val="accent1"/>
-                </a:solidFill>
-              </a14:hiddenFill>
-            </a:ext>
-          </a:extLst>
-        </p:spPr>
-        <p:style>
-          <a:lnRef idx="2">
-            <a:schemeClr val="accent1">
-              <a:shade val="50000"/>
-            </a:schemeClr>
-          </a:lnRef>
-          <a:fillRef idx="1">
-            <a:schemeClr val="accent1"/>
-          </a:fillRef>
-          <a:effectRef idx="0">
-            <a:schemeClr val="accent1"/>
-          </a:effectRef>
-          <a:fontRef idx="minor">
-            <a:schemeClr val="lt1"/>
-          </a:fontRef>
-        </p:style>
-        <p:txBody>
-          <a:bodyPr rtlCol="0" anchor="ctr"/>
-          <a:p>
-            <a:pPr indent="0" algn="l">
-              <a:buNone/>
-            </a:pPr>
-            <a:r>
-              <a:rPr lang="en-US" sz="1600">
-                <a:solidFill>
-                  <a:schemeClr val="tx1"/>
-                </a:solidFill>
-              </a:rPr>
-              <a:t>Msg Ct.</a:t>
-            </a:r>
-            <a:endParaRPr lang="en-US" sz="1600">
-              <a:solidFill>
-                <a:schemeClr val="tx1"/>
-              </a:solidFill>
-            </a:endParaRPr>
-          </a:p>
-        </p:txBody>
-      </p:sp>
-      <p:sp>
-        <p:nvSpPr>
-          <p:cNvPr id="30" name="Rectangles 29"/>
-          <p:cNvSpPr/>
-          <p:nvPr/>
-        </p:nvSpPr>
-        <p:spPr>
-          <a:xfrm>
-            <a:off x="8267065" y="5838190"/>
-            <a:ext cx="1163955" cy="410845"/>
-          </a:xfrm>
-          <a:prstGeom prst="rect">
-            <a:avLst/>
-          </a:prstGeom>
-          <a:noFill/>
-          <a:ln>
-            <a:solidFill>
-              <a:schemeClr val="tx1"/>
-            </a:solidFill>
-          </a:ln>
-          <a:extLst>
-            <a:ext uri="{909E8E84-426E-40DD-AFC4-6F175D3DCCD1}">
-              <a14:hiddenFill xmlns:a14="http://schemas.microsoft.com/office/drawing/2010/main">
-                <a:solidFill>
-                  <a:schemeClr val="accent1"/>
-                </a:solidFill>
-              </a14:hiddenFill>
-            </a:ext>
-          </a:extLst>
-        </p:spPr>
-        <p:style>
-          <a:lnRef idx="2">
-            <a:schemeClr val="accent1">
-              <a:shade val="50000"/>
-            </a:schemeClr>
-          </a:lnRef>
-          <a:fillRef idx="1">
-            <a:schemeClr val="accent1"/>
-          </a:fillRef>
-          <a:effectRef idx="0">
-            <a:schemeClr val="accent1"/>
-          </a:effectRef>
-          <a:fontRef idx="minor">
-            <a:schemeClr val="lt1"/>
-          </a:fontRef>
-        </p:style>
-        <p:txBody>
-          <a:bodyPr rtlCol="0" anchor="ctr"/>
-          <a:p>
-            <a:pPr indent="0" algn="l">
-              <a:buNone/>
-            </a:pPr>
-            <a:r>
-              <a:rPr lang="en-US" sz="1600">
-                <a:solidFill>
-                  <a:schemeClr val="tx1"/>
-                </a:solidFill>
-              </a:rPr>
-              <a:t>Msg Ct.</a:t>
-            </a:r>
-            <a:endParaRPr lang="en-US" sz="1600">
-              <a:solidFill>
-                <a:schemeClr val="tx1"/>
-              </a:solidFill>
             </a:endParaRPr>
           </a:p>
         </p:txBody>
@@ -5340,6 +4022,1790 @@
       <p:grpSpPr/>
       <p:sp>
         <p:nvSpPr>
+          <p:cNvPr id="33" name="Title 32"/>
+          <p:cNvSpPr>
+            <a:spLocks noGrp="1"/>
+          </p:cNvSpPr>
+          <p:nvPr>
+            <p:ph type="title"/>
+          </p:nvPr>
+        </p:nvSpPr>
+        <p:spPr>
+          <a:xfrm>
+            <a:off x="68580" y="80010"/>
+            <a:ext cx="10824210" cy="865505"/>
+          </a:xfrm>
+        </p:spPr>
+        <p:txBody>
+          <a:bodyPr>
+            <a:normAutofit/>
+          </a:bodyPr>
+          <a:p>
+            <a:r>
+              <a:rPr lang="en-US" sz="3200">
+                <a:latin typeface="Helvetica Neue Regular" panose="02000503000000020004" charset="0"/>
+                <a:cs typeface="Helvetica Neue Regular" panose="02000503000000020004" charset="0"/>
+              </a:rPr>
+              <a:t>Colour Theme</a:t>
+            </a:r>
+            <a:endParaRPr lang="en-US" sz="3200">
+              <a:latin typeface="Helvetica Neue Regular" panose="02000503000000020004" charset="0"/>
+              <a:cs typeface="Helvetica Neue Regular" panose="02000503000000020004" charset="0"/>
+            </a:endParaRPr>
+          </a:p>
+        </p:txBody>
+      </p:sp>
+      <p:pic>
+        <p:nvPicPr>
+          <p:cNvPr id="9" name="Picture 8"/>
+          <p:cNvPicPr>
+            <a:picLocks noChangeAspect="1"/>
+          </p:cNvPicPr>
+          <p:nvPr/>
+        </p:nvPicPr>
+        <p:blipFill>
+          <a:blip r:embed="rId1"/>
+          <a:stretch>
+            <a:fillRect/>
+          </a:stretch>
+        </p:blipFill>
+        <p:spPr>
+          <a:xfrm>
+            <a:off x="1754505" y="945515"/>
+            <a:ext cx="4201160" cy="5547360"/>
+          </a:xfrm>
+          <a:prstGeom prst="rect">
+            <a:avLst/>
+          </a:prstGeom>
+        </p:spPr>
+      </p:pic>
+      <p:pic>
+        <p:nvPicPr>
+          <p:cNvPr id="10" name="Picture 9"/>
+          <p:cNvPicPr>
+            <a:picLocks noChangeAspect="1"/>
+          </p:cNvPicPr>
+          <p:nvPr/>
+        </p:nvPicPr>
+        <p:blipFill>
+          <a:blip r:embed="rId2"/>
+          <a:stretch>
+            <a:fillRect/>
+          </a:stretch>
+        </p:blipFill>
+        <p:spPr>
+          <a:xfrm>
+            <a:off x="6306185" y="1070610"/>
+            <a:ext cx="4775200" cy="3625850"/>
+          </a:xfrm>
+          <a:prstGeom prst="rect">
+            <a:avLst/>
+          </a:prstGeom>
+        </p:spPr>
+      </p:pic>
+    </p:spTree>
+  </p:cSld>
+  <p:clrMapOvr>
+    <a:masterClrMapping/>
+  </p:clrMapOvr>
+</p:sld>
+</file>
+
+<file path=ppt/slides/slide15.xml><?xml version="1.0" encoding="utf-8"?>
+<p:sld xmlns:a="http://schemas.openxmlformats.org/drawingml/2006/main" xmlns:r="http://schemas.openxmlformats.org/officeDocument/2006/relationships" xmlns:p="http://schemas.openxmlformats.org/presentationml/2006/main">
+  <p:cSld>
+    <p:spTree>
+      <p:nvGrpSpPr>
+        <p:cNvPr id="1" name=""/>
+        <p:cNvGrpSpPr/>
+        <p:nvPr/>
+      </p:nvGrpSpPr>
+      <p:grpSpPr/>
+      <p:sp>
+        <p:nvSpPr>
+          <p:cNvPr id="7" name="Title 6"/>
+          <p:cNvSpPr>
+            <a:spLocks noGrp="1"/>
+          </p:cNvSpPr>
+          <p:nvPr>
+            <p:ph type="title"/>
+          </p:nvPr>
+        </p:nvSpPr>
+        <p:spPr>
+          <a:xfrm>
+            <a:off x="102870" y="-99695"/>
+            <a:ext cx="10824210" cy="865505"/>
+          </a:xfrm>
+        </p:spPr>
+        <p:txBody>
+          <a:bodyPr>
+            <a:normAutofit/>
+          </a:bodyPr>
+          <a:p>
+            <a:r>
+              <a:rPr lang="en-US" sz="3200">
+                <a:latin typeface="Helvetica Neue Regular" panose="02000503000000020004" charset="0"/>
+                <a:cs typeface="Helvetica Neue Regular" panose="02000503000000020004" charset="0"/>
+              </a:rPr>
+              <a:t>Adding Thread Counts/ Message Counts</a:t>
+            </a:r>
+            <a:endParaRPr lang="en-US" sz="3200">
+              <a:latin typeface="Helvetica Neue Regular" panose="02000503000000020004" charset="0"/>
+              <a:cs typeface="Helvetica Neue Regular" panose="02000503000000020004" charset="0"/>
+            </a:endParaRPr>
+          </a:p>
+        </p:txBody>
+      </p:sp>
+      <p:sp>
+        <p:nvSpPr>
+          <p:cNvPr id="4" name="Rectangles 3"/>
+          <p:cNvSpPr/>
+          <p:nvPr/>
+        </p:nvSpPr>
+        <p:spPr>
+          <a:xfrm>
+            <a:off x="1773555" y="653415"/>
+            <a:ext cx="8645525" cy="6089650"/>
+          </a:xfrm>
+          <a:prstGeom prst="rect">
+            <a:avLst/>
+          </a:prstGeom>
+          <a:solidFill>
+            <a:srgbClr val="000000">
+              <a:alpha val="0"/>
+            </a:srgbClr>
+          </a:solidFill>
+          <a:ln>
+            <a:solidFill>
+              <a:schemeClr val="tx1"/>
+            </a:solidFill>
+          </a:ln>
+        </p:spPr>
+        <p:style>
+          <a:lnRef idx="2">
+            <a:schemeClr val="accent1">
+              <a:shade val="50000"/>
+            </a:schemeClr>
+          </a:lnRef>
+          <a:fillRef idx="1">
+            <a:schemeClr val="accent1"/>
+          </a:fillRef>
+          <a:effectRef idx="0">
+            <a:schemeClr val="accent1"/>
+          </a:effectRef>
+          <a:fontRef idx="minor">
+            <a:schemeClr val="lt1"/>
+          </a:fontRef>
+        </p:style>
+        <p:txBody>
+          <a:bodyPr rtlCol="0" anchor="ctr"/>
+          <a:p>
+            <a:pPr algn="ctr"/>
+            <a:endParaRPr lang="en-US"/>
+          </a:p>
+        </p:txBody>
+      </p:sp>
+      <p:sp>
+        <p:nvSpPr>
+          <p:cNvPr id="5" name="Rectangles 4"/>
+          <p:cNvSpPr/>
+          <p:nvPr/>
+        </p:nvSpPr>
+        <p:spPr>
+          <a:xfrm>
+            <a:off x="1983740" y="1233170"/>
+            <a:ext cx="8086090" cy="1596390"/>
+          </a:xfrm>
+          <a:prstGeom prst="rect">
+            <a:avLst/>
+          </a:prstGeom>
+          <a:noFill/>
+          <a:ln>
+            <a:solidFill>
+              <a:schemeClr val="tx1"/>
+            </a:solidFill>
+          </a:ln>
+          <a:extLst>
+            <a:ext uri="{909E8E84-426E-40DD-AFC4-6F175D3DCCD1}">
+              <a14:hiddenFill xmlns:a14="http://schemas.microsoft.com/office/drawing/2010/main">
+                <a:solidFill>
+                  <a:schemeClr val="accent1"/>
+                </a:solidFill>
+              </a14:hiddenFill>
+            </a:ext>
+          </a:extLst>
+        </p:spPr>
+        <p:style>
+          <a:lnRef idx="2">
+            <a:schemeClr val="accent1">
+              <a:shade val="50000"/>
+            </a:schemeClr>
+          </a:lnRef>
+          <a:fillRef idx="1">
+            <a:schemeClr val="accent1"/>
+          </a:fillRef>
+          <a:effectRef idx="0">
+            <a:schemeClr val="accent1"/>
+          </a:effectRef>
+          <a:fontRef idx="minor">
+            <a:schemeClr val="lt1"/>
+          </a:fontRef>
+        </p:style>
+        <p:txBody>
+          <a:bodyPr rtlCol="0" anchor="t" anchorCtr="0"/>
+          <a:p>
+            <a:pPr algn="l"/>
+            <a:r>
+              <a:rPr lang="en-US">
+                <a:solidFill>
+                  <a:schemeClr val="tx1"/>
+                </a:solidFill>
+              </a:rPr>
+              <a:t>Welcome Center</a:t>
+            </a:r>
+            <a:endParaRPr lang="en-US">
+              <a:solidFill>
+                <a:schemeClr val="tx1"/>
+              </a:solidFill>
+            </a:endParaRPr>
+          </a:p>
+        </p:txBody>
+      </p:sp>
+      <p:sp>
+        <p:nvSpPr>
+          <p:cNvPr id="6" name="Rectangles 5"/>
+          <p:cNvSpPr/>
+          <p:nvPr/>
+        </p:nvSpPr>
+        <p:spPr>
+          <a:xfrm>
+            <a:off x="1983740" y="3032760"/>
+            <a:ext cx="8086090" cy="1596390"/>
+          </a:xfrm>
+          <a:prstGeom prst="rect">
+            <a:avLst/>
+          </a:prstGeom>
+          <a:noFill/>
+          <a:ln>
+            <a:solidFill>
+              <a:schemeClr val="tx1"/>
+            </a:solidFill>
+          </a:ln>
+          <a:extLst>
+            <a:ext uri="{909E8E84-426E-40DD-AFC4-6F175D3DCCD1}">
+              <a14:hiddenFill xmlns:a14="http://schemas.microsoft.com/office/drawing/2010/main">
+                <a:solidFill>
+                  <a:schemeClr val="accent1"/>
+                </a:solidFill>
+              </a14:hiddenFill>
+            </a:ext>
+          </a:extLst>
+        </p:spPr>
+        <p:style>
+          <a:lnRef idx="2">
+            <a:schemeClr val="accent1">
+              <a:shade val="50000"/>
+            </a:schemeClr>
+          </a:lnRef>
+          <a:fillRef idx="1">
+            <a:schemeClr val="accent1"/>
+          </a:fillRef>
+          <a:effectRef idx="0">
+            <a:schemeClr val="accent1"/>
+          </a:effectRef>
+          <a:fontRef idx="minor">
+            <a:schemeClr val="lt1"/>
+          </a:fontRef>
+        </p:style>
+        <p:txBody>
+          <a:bodyPr rtlCol="0" anchor="t" anchorCtr="0"/>
+          <a:p>
+            <a:pPr algn="l"/>
+            <a:r>
+              <a:rPr lang="en-US">
+                <a:solidFill>
+                  <a:schemeClr val="tx1"/>
+                </a:solidFill>
+              </a:rPr>
+              <a:t>Popular Places to Go (Limit to 5 to show)</a:t>
+            </a:r>
+            <a:endParaRPr lang="en-US">
+              <a:solidFill>
+                <a:schemeClr val="tx1"/>
+              </a:solidFill>
+            </a:endParaRPr>
+          </a:p>
+        </p:txBody>
+      </p:sp>
+      <p:sp>
+        <p:nvSpPr>
+          <p:cNvPr id="8" name="Rectangles 7"/>
+          <p:cNvSpPr/>
+          <p:nvPr/>
+        </p:nvSpPr>
+        <p:spPr>
+          <a:xfrm>
+            <a:off x="1983740" y="4884420"/>
+            <a:ext cx="8086090" cy="1596390"/>
+          </a:xfrm>
+          <a:prstGeom prst="rect">
+            <a:avLst/>
+          </a:prstGeom>
+          <a:noFill/>
+          <a:ln>
+            <a:solidFill>
+              <a:schemeClr val="tx1"/>
+            </a:solidFill>
+          </a:ln>
+          <a:extLst>
+            <a:ext uri="{909E8E84-426E-40DD-AFC4-6F175D3DCCD1}">
+              <a14:hiddenFill xmlns:a14="http://schemas.microsoft.com/office/drawing/2010/main">
+                <a:solidFill>
+                  <a:schemeClr val="accent1"/>
+                </a:solidFill>
+              </a14:hiddenFill>
+            </a:ext>
+          </a:extLst>
+        </p:spPr>
+        <p:style>
+          <a:lnRef idx="2">
+            <a:schemeClr val="accent1">
+              <a:shade val="50000"/>
+            </a:schemeClr>
+          </a:lnRef>
+          <a:fillRef idx="1">
+            <a:schemeClr val="accent1"/>
+          </a:fillRef>
+          <a:effectRef idx="0">
+            <a:schemeClr val="accent1"/>
+          </a:effectRef>
+          <a:fontRef idx="minor">
+            <a:schemeClr val="lt1"/>
+          </a:fontRef>
+        </p:style>
+        <p:txBody>
+          <a:bodyPr rtlCol="0" anchor="t" anchorCtr="0"/>
+          <a:p>
+            <a:pPr algn="l"/>
+            <a:r>
+              <a:rPr lang="en-US">
+                <a:solidFill>
+                  <a:schemeClr val="tx1"/>
+                </a:solidFill>
+              </a:rPr>
+              <a:t>General Discussions about {Singapore}</a:t>
+            </a:r>
+            <a:endParaRPr lang="en-US">
+              <a:solidFill>
+                <a:schemeClr val="tx1"/>
+              </a:solidFill>
+            </a:endParaRPr>
+          </a:p>
+        </p:txBody>
+      </p:sp>
+      <p:sp>
+        <p:nvSpPr>
+          <p:cNvPr id="9" name="Rectangles 8"/>
+          <p:cNvSpPr/>
+          <p:nvPr/>
+        </p:nvSpPr>
+        <p:spPr>
+          <a:xfrm>
+            <a:off x="2120265" y="1689100"/>
+            <a:ext cx="4311650" cy="410845"/>
+          </a:xfrm>
+          <a:prstGeom prst="rect">
+            <a:avLst/>
+          </a:prstGeom>
+          <a:noFill/>
+          <a:ln>
+            <a:solidFill>
+              <a:schemeClr val="tx1"/>
+            </a:solidFill>
+          </a:ln>
+          <a:extLst>
+            <a:ext uri="{909E8E84-426E-40DD-AFC4-6F175D3DCCD1}">
+              <a14:hiddenFill xmlns:a14="http://schemas.microsoft.com/office/drawing/2010/main">
+                <a:solidFill>
+                  <a:schemeClr val="accent1"/>
+                </a:solidFill>
+              </a14:hiddenFill>
+            </a:ext>
+          </a:extLst>
+        </p:spPr>
+        <p:style>
+          <a:lnRef idx="2">
+            <a:schemeClr val="accent1">
+              <a:shade val="50000"/>
+            </a:schemeClr>
+          </a:lnRef>
+          <a:fillRef idx="1">
+            <a:schemeClr val="accent1"/>
+          </a:fillRef>
+          <a:effectRef idx="0">
+            <a:schemeClr val="accent1"/>
+          </a:effectRef>
+          <a:fontRef idx="minor">
+            <a:schemeClr val="lt1"/>
+          </a:fontRef>
+        </p:style>
+        <p:txBody>
+          <a:bodyPr rtlCol="0" anchor="ctr"/>
+          <a:p>
+            <a:pPr marL="285750" indent="-285750" algn="l">
+              <a:buFont typeface="Arial" panose="020B0604020202090204" pitchFamily="34" charset="0"/>
+              <a:buChar char="•"/>
+            </a:pPr>
+            <a:r>
+              <a:rPr lang="en-US">
+                <a:solidFill>
+                  <a:schemeClr val="tx1"/>
+                </a:solidFill>
+              </a:rPr>
+              <a:t>Rules</a:t>
+            </a:r>
+            <a:endParaRPr lang="en-US">
+              <a:solidFill>
+                <a:schemeClr val="tx1"/>
+              </a:solidFill>
+            </a:endParaRPr>
+          </a:p>
+        </p:txBody>
+      </p:sp>
+      <p:sp>
+        <p:nvSpPr>
+          <p:cNvPr id="10" name="Rectangles 9"/>
+          <p:cNvSpPr/>
+          <p:nvPr/>
+        </p:nvSpPr>
+        <p:spPr>
+          <a:xfrm>
+            <a:off x="2120265" y="2204085"/>
+            <a:ext cx="4311650" cy="353695"/>
+          </a:xfrm>
+          <a:prstGeom prst="rect">
+            <a:avLst/>
+          </a:prstGeom>
+          <a:noFill/>
+          <a:ln>
+            <a:solidFill>
+              <a:schemeClr val="tx1"/>
+            </a:solidFill>
+          </a:ln>
+          <a:extLst>
+            <a:ext uri="{909E8E84-426E-40DD-AFC4-6F175D3DCCD1}">
+              <a14:hiddenFill xmlns:a14="http://schemas.microsoft.com/office/drawing/2010/main">
+                <a:solidFill>
+                  <a:schemeClr val="accent1"/>
+                </a:solidFill>
+              </a14:hiddenFill>
+            </a:ext>
+          </a:extLst>
+        </p:spPr>
+        <p:style>
+          <a:lnRef idx="2">
+            <a:schemeClr val="accent1">
+              <a:shade val="50000"/>
+            </a:schemeClr>
+          </a:lnRef>
+          <a:fillRef idx="1">
+            <a:schemeClr val="accent1"/>
+          </a:fillRef>
+          <a:effectRef idx="0">
+            <a:schemeClr val="accent1"/>
+          </a:effectRef>
+          <a:fontRef idx="minor">
+            <a:schemeClr val="lt1"/>
+          </a:fontRef>
+        </p:style>
+        <p:txBody>
+          <a:bodyPr rtlCol="0" anchor="ctr"/>
+          <a:p>
+            <a:pPr marL="285750" indent="-285750" algn="l">
+              <a:buFont typeface="Arial" panose="020B0604020202090204" pitchFamily="34" charset="0"/>
+              <a:buChar char="•"/>
+            </a:pPr>
+            <a:r>
+              <a:rPr lang="en-US">
+                <a:solidFill>
+                  <a:schemeClr val="tx1"/>
+                </a:solidFill>
+              </a:rPr>
+              <a:t>idk</a:t>
+            </a:r>
+            <a:endParaRPr lang="en-US">
+              <a:solidFill>
+                <a:schemeClr val="tx1"/>
+              </a:solidFill>
+            </a:endParaRPr>
+          </a:p>
+        </p:txBody>
+      </p:sp>
+      <p:sp>
+        <p:nvSpPr>
+          <p:cNvPr id="11" name="Rectangles 10"/>
+          <p:cNvSpPr/>
+          <p:nvPr/>
+        </p:nvSpPr>
+        <p:spPr>
+          <a:xfrm>
+            <a:off x="2120265" y="5297170"/>
+            <a:ext cx="4311650" cy="421640"/>
+          </a:xfrm>
+          <a:prstGeom prst="rect">
+            <a:avLst/>
+          </a:prstGeom>
+          <a:noFill/>
+          <a:ln>
+            <a:solidFill>
+              <a:schemeClr val="tx1"/>
+            </a:solidFill>
+          </a:ln>
+          <a:extLst>
+            <a:ext uri="{909E8E84-426E-40DD-AFC4-6F175D3DCCD1}">
+              <a14:hiddenFill xmlns:a14="http://schemas.microsoft.com/office/drawing/2010/main">
+                <a:solidFill>
+                  <a:schemeClr val="accent1"/>
+                </a:solidFill>
+              </a14:hiddenFill>
+            </a:ext>
+          </a:extLst>
+        </p:spPr>
+        <p:style>
+          <a:lnRef idx="2">
+            <a:schemeClr val="accent1">
+              <a:shade val="50000"/>
+            </a:schemeClr>
+          </a:lnRef>
+          <a:fillRef idx="1">
+            <a:schemeClr val="accent1"/>
+          </a:fillRef>
+          <a:effectRef idx="0">
+            <a:schemeClr val="accent1"/>
+          </a:effectRef>
+          <a:fontRef idx="minor">
+            <a:schemeClr val="lt1"/>
+          </a:fontRef>
+        </p:style>
+        <p:txBody>
+          <a:bodyPr rtlCol="0" anchor="ctr"/>
+          <a:p>
+            <a:pPr marL="285750" indent="-285750" algn="l">
+              <a:buFont typeface="Arial" panose="020B0604020202090204" pitchFamily="34" charset="0"/>
+              <a:buChar char="•"/>
+            </a:pPr>
+            <a:r>
+              <a:rPr lang="en-US">
+                <a:solidFill>
+                  <a:schemeClr val="tx1"/>
+                </a:solidFill>
+              </a:rPr>
+              <a:t>What to do at Airport</a:t>
+            </a:r>
+            <a:endParaRPr lang="en-US">
+              <a:solidFill>
+                <a:schemeClr val="tx1"/>
+              </a:solidFill>
+            </a:endParaRPr>
+          </a:p>
+        </p:txBody>
+      </p:sp>
+      <p:sp>
+        <p:nvSpPr>
+          <p:cNvPr id="12" name="Rectangles 11"/>
+          <p:cNvSpPr/>
+          <p:nvPr/>
+        </p:nvSpPr>
+        <p:spPr>
+          <a:xfrm>
+            <a:off x="2120265" y="3493135"/>
+            <a:ext cx="4265930" cy="410845"/>
+          </a:xfrm>
+          <a:prstGeom prst="rect">
+            <a:avLst/>
+          </a:prstGeom>
+          <a:noFill/>
+          <a:ln>
+            <a:solidFill>
+              <a:schemeClr val="tx1"/>
+            </a:solidFill>
+          </a:ln>
+          <a:extLst>
+            <a:ext uri="{909E8E84-426E-40DD-AFC4-6F175D3DCCD1}">
+              <a14:hiddenFill xmlns:a14="http://schemas.microsoft.com/office/drawing/2010/main">
+                <a:solidFill>
+                  <a:schemeClr val="accent1"/>
+                </a:solidFill>
+              </a14:hiddenFill>
+            </a:ext>
+          </a:extLst>
+        </p:spPr>
+        <p:style>
+          <a:lnRef idx="2">
+            <a:schemeClr val="accent1">
+              <a:shade val="50000"/>
+            </a:schemeClr>
+          </a:lnRef>
+          <a:fillRef idx="1">
+            <a:schemeClr val="accent1"/>
+          </a:fillRef>
+          <a:effectRef idx="0">
+            <a:schemeClr val="accent1"/>
+          </a:effectRef>
+          <a:fontRef idx="minor">
+            <a:schemeClr val="lt1"/>
+          </a:fontRef>
+        </p:style>
+        <p:txBody>
+          <a:bodyPr rtlCol="0" anchor="ctr"/>
+          <a:p>
+            <a:pPr marL="285750" indent="-285750" algn="l">
+              <a:buFont typeface="Arial" panose="020B0604020202090204" pitchFamily="34" charset="0"/>
+              <a:buChar char="•"/>
+            </a:pPr>
+            <a:r>
+              <a:rPr lang="en-US">
+                <a:solidFill>
+                  <a:schemeClr val="tx1"/>
+                </a:solidFill>
+              </a:rPr>
+              <a:t>Sentosa</a:t>
+            </a:r>
+            <a:endParaRPr lang="en-US">
+              <a:solidFill>
+                <a:schemeClr val="tx1"/>
+              </a:solidFill>
+            </a:endParaRPr>
+          </a:p>
+        </p:txBody>
+      </p:sp>
+      <p:sp>
+        <p:nvSpPr>
+          <p:cNvPr id="13" name="Rectangles 12"/>
+          <p:cNvSpPr/>
+          <p:nvPr/>
+        </p:nvSpPr>
+        <p:spPr>
+          <a:xfrm>
+            <a:off x="2120265" y="3996690"/>
+            <a:ext cx="4265930" cy="410845"/>
+          </a:xfrm>
+          <a:prstGeom prst="rect">
+            <a:avLst/>
+          </a:prstGeom>
+          <a:noFill/>
+          <a:ln>
+            <a:solidFill>
+              <a:schemeClr val="tx1"/>
+            </a:solidFill>
+          </a:ln>
+          <a:extLst>
+            <a:ext uri="{909E8E84-426E-40DD-AFC4-6F175D3DCCD1}">
+              <a14:hiddenFill xmlns:a14="http://schemas.microsoft.com/office/drawing/2010/main">
+                <a:solidFill>
+                  <a:schemeClr val="accent1"/>
+                </a:solidFill>
+              </a14:hiddenFill>
+            </a:ext>
+          </a:extLst>
+        </p:spPr>
+        <p:style>
+          <a:lnRef idx="2">
+            <a:schemeClr val="accent1">
+              <a:shade val="50000"/>
+            </a:schemeClr>
+          </a:lnRef>
+          <a:fillRef idx="1">
+            <a:schemeClr val="accent1"/>
+          </a:fillRef>
+          <a:effectRef idx="0">
+            <a:schemeClr val="accent1"/>
+          </a:effectRef>
+          <a:fontRef idx="minor">
+            <a:schemeClr val="lt1"/>
+          </a:fontRef>
+        </p:style>
+        <p:txBody>
+          <a:bodyPr rtlCol="0" anchor="ctr"/>
+          <a:p>
+            <a:pPr marL="285750" indent="-285750" algn="l">
+              <a:buFont typeface="Arial" panose="020B0604020202090204" pitchFamily="34" charset="0"/>
+              <a:buChar char="•"/>
+            </a:pPr>
+            <a:r>
+              <a:rPr lang="en-US">
+                <a:solidFill>
+                  <a:schemeClr val="tx1"/>
+                </a:solidFill>
+              </a:rPr>
+              <a:t>MBS</a:t>
+            </a:r>
+            <a:endParaRPr lang="en-US">
+              <a:solidFill>
+                <a:schemeClr val="tx1"/>
+              </a:solidFill>
+            </a:endParaRPr>
+          </a:p>
+        </p:txBody>
+      </p:sp>
+      <p:sp>
+        <p:nvSpPr>
+          <p:cNvPr id="14" name="Text Box 13"/>
+          <p:cNvSpPr txBox="1"/>
+          <p:nvPr/>
+        </p:nvSpPr>
+        <p:spPr>
+          <a:xfrm>
+            <a:off x="8526145" y="4329430"/>
+            <a:ext cx="2189480" cy="368300"/>
+          </a:xfrm>
+          <a:prstGeom prst="rect">
+            <a:avLst/>
+          </a:prstGeom>
+          <a:noFill/>
+        </p:spPr>
+        <p:txBody>
+          <a:bodyPr wrap="square" rtlCol="0">
+            <a:spAutoFit/>
+          </a:bodyPr>
+          <a:p>
+            <a:r>
+              <a:rPr lang="en-US"/>
+              <a:t>Click for more</a:t>
+            </a:r>
+            <a:endParaRPr lang="en-US"/>
+          </a:p>
+        </p:txBody>
+      </p:sp>
+      <p:sp>
+        <p:nvSpPr>
+          <p:cNvPr id="15" name="Rectangles 14"/>
+          <p:cNvSpPr/>
+          <p:nvPr/>
+        </p:nvSpPr>
+        <p:spPr>
+          <a:xfrm>
+            <a:off x="2120265" y="5838190"/>
+            <a:ext cx="4311650" cy="410845"/>
+          </a:xfrm>
+          <a:prstGeom prst="rect">
+            <a:avLst/>
+          </a:prstGeom>
+          <a:noFill/>
+          <a:ln>
+            <a:solidFill>
+              <a:schemeClr val="tx1"/>
+            </a:solidFill>
+          </a:ln>
+          <a:extLst>
+            <a:ext uri="{909E8E84-426E-40DD-AFC4-6F175D3DCCD1}">
+              <a14:hiddenFill xmlns:a14="http://schemas.microsoft.com/office/drawing/2010/main">
+                <a:solidFill>
+                  <a:schemeClr val="accent1"/>
+                </a:solidFill>
+              </a14:hiddenFill>
+            </a:ext>
+          </a:extLst>
+        </p:spPr>
+        <p:style>
+          <a:lnRef idx="2">
+            <a:schemeClr val="accent1">
+              <a:shade val="50000"/>
+            </a:schemeClr>
+          </a:lnRef>
+          <a:fillRef idx="1">
+            <a:schemeClr val="accent1"/>
+          </a:fillRef>
+          <a:effectRef idx="0">
+            <a:schemeClr val="accent1"/>
+          </a:effectRef>
+          <a:fontRef idx="minor">
+            <a:schemeClr val="lt1"/>
+          </a:fontRef>
+        </p:style>
+        <p:txBody>
+          <a:bodyPr rtlCol="0" anchor="ctr"/>
+          <a:p>
+            <a:pPr marL="285750" indent="-285750" algn="l">
+              <a:buFont typeface="Arial" panose="020B0604020202090204" pitchFamily="34" charset="0"/>
+              <a:buChar char="•"/>
+            </a:pPr>
+            <a:r>
+              <a:rPr lang="en-US">
+                <a:solidFill>
+                  <a:schemeClr val="tx1"/>
+                </a:solidFill>
+              </a:rPr>
+              <a:t>What to eat </a:t>
+            </a:r>
+            <a:endParaRPr lang="en-US">
+              <a:solidFill>
+                <a:schemeClr val="tx1"/>
+              </a:solidFill>
+            </a:endParaRPr>
+          </a:p>
+        </p:txBody>
+      </p:sp>
+      <p:sp>
+        <p:nvSpPr>
+          <p:cNvPr id="16" name="Text Box 15"/>
+          <p:cNvSpPr txBox="1"/>
+          <p:nvPr/>
+        </p:nvSpPr>
+        <p:spPr>
+          <a:xfrm>
+            <a:off x="8526145" y="6169660"/>
+            <a:ext cx="2189480" cy="368300"/>
+          </a:xfrm>
+          <a:prstGeom prst="rect">
+            <a:avLst/>
+          </a:prstGeom>
+          <a:noFill/>
+        </p:spPr>
+        <p:txBody>
+          <a:bodyPr wrap="square" rtlCol="0">
+            <a:spAutoFit/>
+          </a:bodyPr>
+          <a:p>
+            <a:r>
+              <a:rPr lang="en-US"/>
+              <a:t>Click for more</a:t>
+            </a:r>
+            <a:endParaRPr lang="en-US"/>
+          </a:p>
+        </p:txBody>
+      </p:sp>
+      <p:sp>
+        <p:nvSpPr>
+          <p:cNvPr id="17" name="Rectangles 16"/>
+          <p:cNvSpPr/>
+          <p:nvPr/>
+        </p:nvSpPr>
+        <p:spPr>
+          <a:xfrm>
+            <a:off x="1983740" y="765810"/>
+            <a:ext cx="8086725" cy="341630"/>
+          </a:xfrm>
+          <a:prstGeom prst="rect">
+            <a:avLst/>
+          </a:prstGeom>
+          <a:noFill/>
+          <a:ln>
+            <a:solidFill>
+              <a:schemeClr val="tx1"/>
+            </a:solidFill>
+          </a:ln>
+          <a:extLst>
+            <a:ext uri="{909E8E84-426E-40DD-AFC4-6F175D3DCCD1}">
+              <a14:hiddenFill xmlns:a14="http://schemas.microsoft.com/office/drawing/2010/main">
+                <a:solidFill>
+                  <a:schemeClr val="accent1"/>
+                </a:solidFill>
+              </a14:hiddenFill>
+            </a:ext>
+          </a:extLst>
+        </p:spPr>
+        <p:style>
+          <a:lnRef idx="2">
+            <a:schemeClr val="accent1">
+              <a:shade val="50000"/>
+            </a:schemeClr>
+          </a:lnRef>
+          <a:fillRef idx="1">
+            <a:schemeClr val="accent1"/>
+          </a:fillRef>
+          <a:effectRef idx="0">
+            <a:schemeClr val="accent1"/>
+          </a:effectRef>
+          <a:fontRef idx="minor">
+            <a:schemeClr val="lt1"/>
+          </a:fontRef>
+        </p:style>
+        <p:txBody>
+          <a:bodyPr rtlCol="0" anchor="ctr"/>
+          <a:p>
+            <a:pPr algn="l"/>
+            <a:r>
+              <a:rPr lang="en-US">
+                <a:solidFill>
+                  <a:schemeClr val="tx1"/>
+                </a:solidFill>
+              </a:rPr>
+              <a:t>Search - Search for word that appears in title</a:t>
+            </a:r>
+            <a:endParaRPr lang="en-US">
+              <a:solidFill>
+                <a:schemeClr val="tx1"/>
+              </a:solidFill>
+            </a:endParaRPr>
+          </a:p>
+        </p:txBody>
+      </p:sp>
+      <p:sp>
+        <p:nvSpPr>
+          <p:cNvPr id="18" name="Text Box 17"/>
+          <p:cNvSpPr txBox="1"/>
+          <p:nvPr/>
+        </p:nvSpPr>
+        <p:spPr>
+          <a:xfrm>
+            <a:off x="8532495" y="2534285"/>
+            <a:ext cx="2189480" cy="368300"/>
+          </a:xfrm>
+          <a:prstGeom prst="rect">
+            <a:avLst/>
+          </a:prstGeom>
+          <a:noFill/>
+        </p:spPr>
+        <p:txBody>
+          <a:bodyPr wrap="square" rtlCol="0">
+            <a:spAutoFit/>
+          </a:bodyPr>
+          <a:p>
+            <a:r>
+              <a:rPr lang="en-US"/>
+              <a:t>Click for more</a:t>
+            </a:r>
+            <a:endParaRPr lang="en-US"/>
+          </a:p>
+        </p:txBody>
+      </p:sp>
+      <p:sp>
+        <p:nvSpPr>
+          <p:cNvPr id="19" name="Rectangles 18"/>
+          <p:cNvSpPr/>
+          <p:nvPr/>
+        </p:nvSpPr>
+        <p:spPr>
+          <a:xfrm>
+            <a:off x="6767195" y="1689100"/>
+            <a:ext cx="1163955" cy="410845"/>
+          </a:xfrm>
+          <a:prstGeom prst="rect">
+            <a:avLst/>
+          </a:prstGeom>
+          <a:noFill/>
+          <a:ln>
+            <a:solidFill>
+              <a:schemeClr val="tx1"/>
+            </a:solidFill>
+          </a:ln>
+          <a:extLst>
+            <a:ext uri="{909E8E84-426E-40DD-AFC4-6F175D3DCCD1}">
+              <a14:hiddenFill xmlns:a14="http://schemas.microsoft.com/office/drawing/2010/main">
+                <a:solidFill>
+                  <a:schemeClr val="accent1"/>
+                </a:solidFill>
+              </a14:hiddenFill>
+            </a:ext>
+          </a:extLst>
+        </p:spPr>
+        <p:style>
+          <a:lnRef idx="2">
+            <a:schemeClr val="accent1">
+              <a:shade val="50000"/>
+            </a:schemeClr>
+          </a:lnRef>
+          <a:fillRef idx="1">
+            <a:schemeClr val="accent1"/>
+          </a:fillRef>
+          <a:effectRef idx="0">
+            <a:schemeClr val="accent1"/>
+          </a:effectRef>
+          <a:fontRef idx="minor">
+            <a:schemeClr val="lt1"/>
+          </a:fontRef>
+        </p:style>
+        <p:txBody>
+          <a:bodyPr rtlCol="0" anchor="ctr"/>
+          <a:p>
+            <a:pPr indent="0" algn="l">
+              <a:buNone/>
+            </a:pPr>
+            <a:r>
+              <a:rPr lang="en-US" sz="1600">
+                <a:solidFill>
+                  <a:schemeClr val="tx1"/>
+                </a:solidFill>
+              </a:rPr>
+              <a:t>Thread Ct.</a:t>
+            </a:r>
+            <a:endParaRPr lang="en-US" sz="1600">
+              <a:solidFill>
+                <a:schemeClr val="tx1"/>
+              </a:solidFill>
+            </a:endParaRPr>
+          </a:p>
+        </p:txBody>
+      </p:sp>
+      <p:sp>
+        <p:nvSpPr>
+          <p:cNvPr id="20" name="Rectangles 19"/>
+          <p:cNvSpPr/>
+          <p:nvPr/>
+        </p:nvSpPr>
+        <p:spPr>
+          <a:xfrm>
+            <a:off x="8267065" y="1689100"/>
+            <a:ext cx="1163955" cy="410845"/>
+          </a:xfrm>
+          <a:prstGeom prst="rect">
+            <a:avLst/>
+          </a:prstGeom>
+          <a:noFill/>
+          <a:ln>
+            <a:solidFill>
+              <a:schemeClr val="tx1"/>
+            </a:solidFill>
+          </a:ln>
+          <a:extLst>
+            <a:ext uri="{909E8E84-426E-40DD-AFC4-6F175D3DCCD1}">
+              <a14:hiddenFill xmlns:a14="http://schemas.microsoft.com/office/drawing/2010/main">
+                <a:solidFill>
+                  <a:schemeClr val="accent1"/>
+                </a:solidFill>
+              </a14:hiddenFill>
+            </a:ext>
+          </a:extLst>
+        </p:spPr>
+        <p:style>
+          <a:lnRef idx="2">
+            <a:schemeClr val="accent1">
+              <a:shade val="50000"/>
+            </a:schemeClr>
+          </a:lnRef>
+          <a:fillRef idx="1">
+            <a:schemeClr val="accent1"/>
+          </a:fillRef>
+          <a:effectRef idx="0">
+            <a:schemeClr val="accent1"/>
+          </a:effectRef>
+          <a:fontRef idx="minor">
+            <a:schemeClr val="lt1"/>
+          </a:fontRef>
+        </p:style>
+        <p:txBody>
+          <a:bodyPr rtlCol="0" anchor="ctr"/>
+          <a:p>
+            <a:pPr indent="0" algn="l">
+              <a:buNone/>
+            </a:pPr>
+            <a:r>
+              <a:rPr lang="en-US" sz="1600">
+                <a:solidFill>
+                  <a:schemeClr val="tx1"/>
+                </a:solidFill>
+              </a:rPr>
+              <a:t>Msg Ct.</a:t>
+            </a:r>
+            <a:endParaRPr lang="en-US" sz="1600">
+              <a:solidFill>
+                <a:schemeClr val="tx1"/>
+              </a:solidFill>
+            </a:endParaRPr>
+          </a:p>
+        </p:txBody>
+      </p:sp>
+      <p:sp>
+        <p:nvSpPr>
+          <p:cNvPr id="21" name="Rectangles 20"/>
+          <p:cNvSpPr/>
+          <p:nvPr/>
+        </p:nvSpPr>
+        <p:spPr>
+          <a:xfrm>
+            <a:off x="6767195" y="2175510"/>
+            <a:ext cx="1163955" cy="410845"/>
+          </a:xfrm>
+          <a:prstGeom prst="rect">
+            <a:avLst/>
+          </a:prstGeom>
+          <a:noFill/>
+          <a:ln>
+            <a:solidFill>
+              <a:schemeClr val="tx1"/>
+            </a:solidFill>
+          </a:ln>
+          <a:extLst>
+            <a:ext uri="{909E8E84-426E-40DD-AFC4-6F175D3DCCD1}">
+              <a14:hiddenFill xmlns:a14="http://schemas.microsoft.com/office/drawing/2010/main">
+                <a:solidFill>
+                  <a:schemeClr val="accent1"/>
+                </a:solidFill>
+              </a14:hiddenFill>
+            </a:ext>
+          </a:extLst>
+        </p:spPr>
+        <p:style>
+          <a:lnRef idx="2">
+            <a:schemeClr val="accent1">
+              <a:shade val="50000"/>
+            </a:schemeClr>
+          </a:lnRef>
+          <a:fillRef idx="1">
+            <a:schemeClr val="accent1"/>
+          </a:fillRef>
+          <a:effectRef idx="0">
+            <a:schemeClr val="accent1"/>
+          </a:effectRef>
+          <a:fontRef idx="minor">
+            <a:schemeClr val="lt1"/>
+          </a:fontRef>
+        </p:style>
+        <p:txBody>
+          <a:bodyPr rtlCol="0" anchor="ctr"/>
+          <a:p>
+            <a:pPr indent="0" algn="l">
+              <a:buNone/>
+            </a:pPr>
+            <a:r>
+              <a:rPr lang="en-US" sz="1600">
+                <a:solidFill>
+                  <a:schemeClr val="tx1"/>
+                </a:solidFill>
+              </a:rPr>
+              <a:t>Thread Ct.</a:t>
+            </a:r>
+            <a:endParaRPr lang="en-US" sz="1600">
+              <a:solidFill>
+                <a:schemeClr val="tx1"/>
+              </a:solidFill>
+            </a:endParaRPr>
+          </a:p>
+        </p:txBody>
+      </p:sp>
+      <p:sp>
+        <p:nvSpPr>
+          <p:cNvPr id="22" name="Rectangles 21"/>
+          <p:cNvSpPr/>
+          <p:nvPr/>
+        </p:nvSpPr>
+        <p:spPr>
+          <a:xfrm>
+            <a:off x="8267065" y="5297170"/>
+            <a:ext cx="1163955" cy="410845"/>
+          </a:xfrm>
+          <a:prstGeom prst="rect">
+            <a:avLst/>
+          </a:prstGeom>
+          <a:noFill/>
+          <a:ln>
+            <a:solidFill>
+              <a:schemeClr val="tx1"/>
+            </a:solidFill>
+          </a:ln>
+          <a:extLst>
+            <a:ext uri="{909E8E84-426E-40DD-AFC4-6F175D3DCCD1}">
+              <a14:hiddenFill xmlns:a14="http://schemas.microsoft.com/office/drawing/2010/main">
+                <a:solidFill>
+                  <a:schemeClr val="accent1"/>
+                </a:solidFill>
+              </a14:hiddenFill>
+            </a:ext>
+          </a:extLst>
+        </p:spPr>
+        <p:style>
+          <a:lnRef idx="2">
+            <a:schemeClr val="accent1">
+              <a:shade val="50000"/>
+            </a:schemeClr>
+          </a:lnRef>
+          <a:fillRef idx="1">
+            <a:schemeClr val="accent1"/>
+          </a:fillRef>
+          <a:effectRef idx="0">
+            <a:schemeClr val="accent1"/>
+          </a:effectRef>
+          <a:fontRef idx="minor">
+            <a:schemeClr val="lt1"/>
+          </a:fontRef>
+        </p:style>
+        <p:txBody>
+          <a:bodyPr rtlCol="0" anchor="ctr"/>
+          <a:p>
+            <a:pPr indent="0" algn="l">
+              <a:buNone/>
+            </a:pPr>
+            <a:r>
+              <a:rPr lang="en-US" sz="1600">
+                <a:solidFill>
+                  <a:schemeClr val="tx1"/>
+                </a:solidFill>
+              </a:rPr>
+              <a:t>Msg Ct.</a:t>
+            </a:r>
+            <a:endParaRPr lang="en-US" sz="1600">
+              <a:solidFill>
+                <a:schemeClr val="tx1"/>
+              </a:solidFill>
+            </a:endParaRPr>
+          </a:p>
+        </p:txBody>
+      </p:sp>
+      <p:sp>
+        <p:nvSpPr>
+          <p:cNvPr id="23" name="Rectangles 22"/>
+          <p:cNvSpPr/>
+          <p:nvPr/>
+        </p:nvSpPr>
+        <p:spPr>
+          <a:xfrm>
+            <a:off x="6767195" y="3493135"/>
+            <a:ext cx="1163955" cy="410845"/>
+          </a:xfrm>
+          <a:prstGeom prst="rect">
+            <a:avLst/>
+          </a:prstGeom>
+          <a:noFill/>
+          <a:ln>
+            <a:solidFill>
+              <a:schemeClr val="tx1"/>
+            </a:solidFill>
+          </a:ln>
+          <a:extLst>
+            <a:ext uri="{909E8E84-426E-40DD-AFC4-6F175D3DCCD1}">
+              <a14:hiddenFill xmlns:a14="http://schemas.microsoft.com/office/drawing/2010/main">
+                <a:solidFill>
+                  <a:schemeClr val="accent1"/>
+                </a:solidFill>
+              </a14:hiddenFill>
+            </a:ext>
+          </a:extLst>
+        </p:spPr>
+        <p:style>
+          <a:lnRef idx="2">
+            <a:schemeClr val="accent1">
+              <a:shade val="50000"/>
+            </a:schemeClr>
+          </a:lnRef>
+          <a:fillRef idx="1">
+            <a:schemeClr val="accent1"/>
+          </a:fillRef>
+          <a:effectRef idx="0">
+            <a:schemeClr val="accent1"/>
+          </a:effectRef>
+          <a:fontRef idx="minor">
+            <a:schemeClr val="lt1"/>
+          </a:fontRef>
+        </p:style>
+        <p:txBody>
+          <a:bodyPr rtlCol="0" anchor="ctr"/>
+          <a:p>
+            <a:pPr indent="0" algn="l">
+              <a:buNone/>
+            </a:pPr>
+            <a:r>
+              <a:rPr lang="en-US" sz="1600">
+                <a:solidFill>
+                  <a:schemeClr val="tx1"/>
+                </a:solidFill>
+              </a:rPr>
+              <a:t>Thread Ct.</a:t>
+            </a:r>
+            <a:endParaRPr lang="en-US" sz="1600">
+              <a:solidFill>
+                <a:schemeClr val="tx1"/>
+              </a:solidFill>
+            </a:endParaRPr>
+          </a:p>
+        </p:txBody>
+      </p:sp>
+      <p:sp>
+        <p:nvSpPr>
+          <p:cNvPr id="24" name="Rectangles 23"/>
+          <p:cNvSpPr/>
+          <p:nvPr/>
+        </p:nvSpPr>
+        <p:spPr>
+          <a:xfrm>
+            <a:off x="8267065" y="2204085"/>
+            <a:ext cx="1163955" cy="410845"/>
+          </a:xfrm>
+          <a:prstGeom prst="rect">
+            <a:avLst/>
+          </a:prstGeom>
+          <a:noFill/>
+          <a:ln>
+            <a:solidFill>
+              <a:schemeClr val="tx1"/>
+            </a:solidFill>
+          </a:ln>
+          <a:extLst>
+            <a:ext uri="{909E8E84-426E-40DD-AFC4-6F175D3DCCD1}">
+              <a14:hiddenFill xmlns:a14="http://schemas.microsoft.com/office/drawing/2010/main">
+                <a:solidFill>
+                  <a:schemeClr val="accent1"/>
+                </a:solidFill>
+              </a14:hiddenFill>
+            </a:ext>
+          </a:extLst>
+        </p:spPr>
+        <p:style>
+          <a:lnRef idx="2">
+            <a:schemeClr val="accent1">
+              <a:shade val="50000"/>
+            </a:schemeClr>
+          </a:lnRef>
+          <a:fillRef idx="1">
+            <a:schemeClr val="accent1"/>
+          </a:fillRef>
+          <a:effectRef idx="0">
+            <a:schemeClr val="accent1"/>
+          </a:effectRef>
+          <a:fontRef idx="minor">
+            <a:schemeClr val="lt1"/>
+          </a:fontRef>
+        </p:style>
+        <p:txBody>
+          <a:bodyPr rtlCol="0" anchor="ctr"/>
+          <a:p>
+            <a:pPr indent="0" algn="l">
+              <a:buNone/>
+            </a:pPr>
+            <a:r>
+              <a:rPr lang="en-US" sz="1600">
+                <a:solidFill>
+                  <a:schemeClr val="tx1"/>
+                </a:solidFill>
+              </a:rPr>
+              <a:t>Msg Ct.</a:t>
+            </a:r>
+            <a:endParaRPr lang="en-US" sz="1600">
+              <a:solidFill>
+                <a:schemeClr val="tx1"/>
+              </a:solidFill>
+            </a:endParaRPr>
+          </a:p>
+        </p:txBody>
+      </p:sp>
+      <p:sp>
+        <p:nvSpPr>
+          <p:cNvPr id="25" name="Rectangles 24"/>
+          <p:cNvSpPr/>
+          <p:nvPr/>
+        </p:nvSpPr>
+        <p:spPr>
+          <a:xfrm>
+            <a:off x="6767195" y="3996690"/>
+            <a:ext cx="1163955" cy="410845"/>
+          </a:xfrm>
+          <a:prstGeom prst="rect">
+            <a:avLst/>
+          </a:prstGeom>
+          <a:noFill/>
+          <a:ln>
+            <a:solidFill>
+              <a:schemeClr val="tx1"/>
+            </a:solidFill>
+          </a:ln>
+          <a:extLst>
+            <a:ext uri="{909E8E84-426E-40DD-AFC4-6F175D3DCCD1}">
+              <a14:hiddenFill xmlns:a14="http://schemas.microsoft.com/office/drawing/2010/main">
+                <a:solidFill>
+                  <a:schemeClr val="accent1"/>
+                </a:solidFill>
+              </a14:hiddenFill>
+            </a:ext>
+          </a:extLst>
+        </p:spPr>
+        <p:style>
+          <a:lnRef idx="2">
+            <a:schemeClr val="accent1">
+              <a:shade val="50000"/>
+            </a:schemeClr>
+          </a:lnRef>
+          <a:fillRef idx="1">
+            <a:schemeClr val="accent1"/>
+          </a:fillRef>
+          <a:effectRef idx="0">
+            <a:schemeClr val="accent1"/>
+          </a:effectRef>
+          <a:fontRef idx="minor">
+            <a:schemeClr val="lt1"/>
+          </a:fontRef>
+        </p:style>
+        <p:txBody>
+          <a:bodyPr rtlCol="0" anchor="ctr"/>
+          <a:p>
+            <a:pPr indent="0" algn="l">
+              <a:buNone/>
+            </a:pPr>
+            <a:r>
+              <a:rPr lang="en-US" sz="1600">
+                <a:solidFill>
+                  <a:schemeClr val="tx1"/>
+                </a:solidFill>
+              </a:rPr>
+              <a:t>Thread Ct.</a:t>
+            </a:r>
+            <a:endParaRPr lang="en-US" sz="1600">
+              <a:solidFill>
+                <a:schemeClr val="tx1"/>
+              </a:solidFill>
+            </a:endParaRPr>
+          </a:p>
+        </p:txBody>
+      </p:sp>
+      <p:sp>
+        <p:nvSpPr>
+          <p:cNvPr id="26" name="Rectangles 25"/>
+          <p:cNvSpPr/>
+          <p:nvPr/>
+        </p:nvSpPr>
+        <p:spPr>
+          <a:xfrm>
+            <a:off x="8267065" y="3996690"/>
+            <a:ext cx="1163955" cy="410845"/>
+          </a:xfrm>
+          <a:prstGeom prst="rect">
+            <a:avLst/>
+          </a:prstGeom>
+          <a:noFill/>
+          <a:ln>
+            <a:solidFill>
+              <a:schemeClr val="tx1"/>
+            </a:solidFill>
+          </a:ln>
+          <a:extLst>
+            <a:ext uri="{909E8E84-426E-40DD-AFC4-6F175D3DCCD1}">
+              <a14:hiddenFill xmlns:a14="http://schemas.microsoft.com/office/drawing/2010/main">
+                <a:solidFill>
+                  <a:schemeClr val="accent1"/>
+                </a:solidFill>
+              </a14:hiddenFill>
+            </a:ext>
+          </a:extLst>
+        </p:spPr>
+        <p:style>
+          <a:lnRef idx="2">
+            <a:schemeClr val="accent1">
+              <a:shade val="50000"/>
+            </a:schemeClr>
+          </a:lnRef>
+          <a:fillRef idx="1">
+            <a:schemeClr val="accent1"/>
+          </a:fillRef>
+          <a:effectRef idx="0">
+            <a:schemeClr val="accent1"/>
+          </a:effectRef>
+          <a:fontRef idx="minor">
+            <a:schemeClr val="lt1"/>
+          </a:fontRef>
+        </p:style>
+        <p:txBody>
+          <a:bodyPr rtlCol="0" anchor="ctr"/>
+          <a:p>
+            <a:pPr indent="0" algn="l">
+              <a:buNone/>
+            </a:pPr>
+            <a:r>
+              <a:rPr lang="en-US" sz="1600">
+                <a:solidFill>
+                  <a:schemeClr val="tx1"/>
+                </a:solidFill>
+              </a:rPr>
+              <a:t>Msg Ct.</a:t>
+            </a:r>
+            <a:endParaRPr lang="en-US" sz="1600">
+              <a:solidFill>
+                <a:schemeClr val="tx1"/>
+              </a:solidFill>
+            </a:endParaRPr>
+          </a:p>
+        </p:txBody>
+      </p:sp>
+      <p:sp>
+        <p:nvSpPr>
+          <p:cNvPr id="27" name="Rectangles 26"/>
+          <p:cNvSpPr/>
+          <p:nvPr/>
+        </p:nvSpPr>
+        <p:spPr>
+          <a:xfrm>
+            <a:off x="6767195" y="5297170"/>
+            <a:ext cx="1163955" cy="410845"/>
+          </a:xfrm>
+          <a:prstGeom prst="rect">
+            <a:avLst/>
+          </a:prstGeom>
+          <a:noFill/>
+          <a:ln>
+            <a:solidFill>
+              <a:schemeClr val="tx1"/>
+            </a:solidFill>
+          </a:ln>
+          <a:extLst>
+            <a:ext uri="{909E8E84-426E-40DD-AFC4-6F175D3DCCD1}">
+              <a14:hiddenFill xmlns:a14="http://schemas.microsoft.com/office/drawing/2010/main">
+                <a:solidFill>
+                  <a:schemeClr val="accent1"/>
+                </a:solidFill>
+              </a14:hiddenFill>
+            </a:ext>
+          </a:extLst>
+        </p:spPr>
+        <p:style>
+          <a:lnRef idx="2">
+            <a:schemeClr val="accent1">
+              <a:shade val="50000"/>
+            </a:schemeClr>
+          </a:lnRef>
+          <a:fillRef idx="1">
+            <a:schemeClr val="accent1"/>
+          </a:fillRef>
+          <a:effectRef idx="0">
+            <a:schemeClr val="accent1"/>
+          </a:effectRef>
+          <a:fontRef idx="minor">
+            <a:schemeClr val="lt1"/>
+          </a:fontRef>
+        </p:style>
+        <p:txBody>
+          <a:bodyPr rtlCol="0" anchor="ctr"/>
+          <a:p>
+            <a:pPr indent="0" algn="l">
+              <a:buNone/>
+            </a:pPr>
+            <a:r>
+              <a:rPr lang="en-US" sz="1600">
+                <a:solidFill>
+                  <a:schemeClr val="tx1"/>
+                </a:solidFill>
+              </a:rPr>
+              <a:t>Thread Ct.</a:t>
+            </a:r>
+            <a:endParaRPr lang="en-US" sz="1600">
+              <a:solidFill>
+                <a:schemeClr val="tx1"/>
+              </a:solidFill>
+            </a:endParaRPr>
+          </a:p>
+        </p:txBody>
+      </p:sp>
+      <p:sp>
+        <p:nvSpPr>
+          <p:cNvPr id="28" name="Rectangles 27"/>
+          <p:cNvSpPr/>
+          <p:nvPr/>
+        </p:nvSpPr>
+        <p:spPr>
+          <a:xfrm>
+            <a:off x="6767195" y="5838190"/>
+            <a:ext cx="1163955" cy="410845"/>
+          </a:xfrm>
+          <a:prstGeom prst="rect">
+            <a:avLst/>
+          </a:prstGeom>
+          <a:noFill/>
+          <a:ln>
+            <a:solidFill>
+              <a:schemeClr val="tx1"/>
+            </a:solidFill>
+          </a:ln>
+          <a:extLst>
+            <a:ext uri="{909E8E84-426E-40DD-AFC4-6F175D3DCCD1}">
+              <a14:hiddenFill xmlns:a14="http://schemas.microsoft.com/office/drawing/2010/main">
+                <a:solidFill>
+                  <a:schemeClr val="accent1"/>
+                </a:solidFill>
+              </a14:hiddenFill>
+            </a:ext>
+          </a:extLst>
+        </p:spPr>
+        <p:style>
+          <a:lnRef idx="2">
+            <a:schemeClr val="accent1">
+              <a:shade val="50000"/>
+            </a:schemeClr>
+          </a:lnRef>
+          <a:fillRef idx="1">
+            <a:schemeClr val="accent1"/>
+          </a:fillRef>
+          <a:effectRef idx="0">
+            <a:schemeClr val="accent1"/>
+          </a:effectRef>
+          <a:fontRef idx="minor">
+            <a:schemeClr val="lt1"/>
+          </a:fontRef>
+        </p:style>
+        <p:txBody>
+          <a:bodyPr rtlCol="0" anchor="ctr"/>
+          <a:p>
+            <a:pPr indent="0" algn="l">
+              <a:buNone/>
+            </a:pPr>
+            <a:r>
+              <a:rPr lang="en-US" sz="1600">
+                <a:solidFill>
+                  <a:schemeClr val="tx1"/>
+                </a:solidFill>
+              </a:rPr>
+              <a:t>Thread Ct.</a:t>
+            </a:r>
+            <a:endParaRPr lang="en-US" sz="1600">
+              <a:solidFill>
+                <a:schemeClr val="tx1"/>
+              </a:solidFill>
+            </a:endParaRPr>
+          </a:p>
+        </p:txBody>
+      </p:sp>
+      <p:sp>
+        <p:nvSpPr>
+          <p:cNvPr id="29" name="Rectangles 28"/>
+          <p:cNvSpPr/>
+          <p:nvPr/>
+        </p:nvSpPr>
+        <p:spPr>
+          <a:xfrm>
+            <a:off x="8267065" y="3493135"/>
+            <a:ext cx="1163955" cy="410845"/>
+          </a:xfrm>
+          <a:prstGeom prst="rect">
+            <a:avLst/>
+          </a:prstGeom>
+          <a:noFill/>
+          <a:ln>
+            <a:solidFill>
+              <a:schemeClr val="tx1"/>
+            </a:solidFill>
+          </a:ln>
+          <a:extLst>
+            <a:ext uri="{909E8E84-426E-40DD-AFC4-6F175D3DCCD1}">
+              <a14:hiddenFill xmlns:a14="http://schemas.microsoft.com/office/drawing/2010/main">
+                <a:solidFill>
+                  <a:schemeClr val="accent1"/>
+                </a:solidFill>
+              </a14:hiddenFill>
+            </a:ext>
+          </a:extLst>
+        </p:spPr>
+        <p:style>
+          <a:lnRef idx="2">
+            <a:schemeClr val="accent1">
+              <a:shade val="50000"/>
+            </a:schemeClr>
+          </a:lnRef>
+          <a:fillRef idx="1">
+            <a:schemeClr val="accent1"/>
+          </a:fillRef>
+          <a:effectRef idx="0">
+            <a:schemeClr val="accent1"/>
+          </a:effectRef>
+          <a:fontRef idx="minor">
+            <a:schemeClr val="lt1"/>
+          </a:fontRef>
+        </p:style>
+        <p:txBody>
+          <a:bodyPr rtlCol="0" anchor="ctr"/>
+          <a:p>
+            <a:pPr indent="0" algn="l">
+              <a:buNone/>
+            </a:pPr>
+            <a:r>
+              <a:rPr lang="en-US" sz="1600">
+                <a:solidFill>
+                  <a:schemeClr val="tx1"/>
+                </a:solidFill>
+              </a:rPr>
+              <a:t>Msg Ct.</a:t>
+            </a:r>
+            <a:endParaRPr lang="en-US" sz="1600">
+              <a:solidFill>
+                <a:schemeClr val="tx1"/>
+              </a:solidFill>
+            </a:endParaRPr>
+          </a:p>
+        </p:txBody>
+      </p:sp>
+      <p:sp>
+        <p:nvSpPr>
+          <p:cNvPr id="30" name="Rectangles 29"/>
+          <p:cNvSpPr/>
+          <p:nvPr/>
+        </p:nvSpPr>
+        <p:spPr>
+          <a:xfrm>
+            <a:off x="8267065" y="5838190"/>
+            <a:ext cx="1163955" cy="410845"/>
+          </a:xfrm>
+          <a:prstGeom prst="rect">
+            <a:avLst/>
+          </a:prstGeom>
+          <a:noFill/>
+          <a:ln>
+            <a:solidFill>
+              <a:schemeClr val="tx1"/>
+            </a:solidFill>
+          </a:ln>
+          <a:extLst>
+            <a:ext uri="{909E8E84-426E-40DD-AFC4-6F175D3DCCD1}">
+              <a14:hiddenFill xmlns:a14="http://schemas.microsoft.com/office/drawing/2010/main">
+                <a:solidFill>
+                  <a:schemeClr val="accent1"/>
+                </a:solidFill>
+              </a14:hiddenFill>
+            </a:ext>
+          </a:extLst>
+        </p:spPr>
+        <p:style>
+          <a:lnRef idx="2">
+            <a:schemeClr val="accent1">
+              <a:shade val="50000"/>
+            </a:schemeClr>
+          </a:lnRef>
+          <a:fillRef idx="1">
+            <a:schemeClr val="accent1"/>
+          </a:fillRef>
+          <a:effectRef idx="0">
+            <a:schemeClr val="accent1"/>
+          </a:effectRef>
+          <a:fontRef idx="minor">
+            <a:schemeClr val="lt1"/>
+          </a:fontRef>
+        </p:style>
+        <p:txBody>
+          <a:bodyPr rtlCol="0" anchor="ctr"/>
+          <a:p>
+            <a:pPr indent="0" algn="l">
+              <a:buNone/>
+            </a:pPr>
+            <a:r>
+              <a:rPr lang="en-US" sz="1600">
+                <a:solidFill>
+                  <a:schemeClr val="tx1"/>
+                </a:solidFill>
+              </a:rPr>
+              <a:t>Msg Ct.</a:t>
+            </a:r>
+            <a:endParaRPr lang="en-US" sz="1600">
+              <a:solidFill>
+                <a:schemeClr val="tx1"/>
+              </a:solidFill>
+            </a:endParaRPr>
+          </a:p>
+        </p:txBody>
+      </p:sp>
+    </p:spTree>
+  </p:cSld>
+  <p:clrMapOvr>
+    <a:masterClrMapping/>
+  </p:clrMapOvr>
+</p:sld>
+</file>
+
+<file path=ppt/slides/slide16.xml><?xml version="1.0" encoding="utf-8"?>
+<p:sld xmlns:a="http://schemas.openxmlformats.org/drawingml/2006/main" xmlns:r="http://schemas.openxmlformats.org/officeDocument/2006/relationships" xmlns:p="http://schemas.openxmlformats.org/presentationml/2006/main">
+  <p:cSld>
+    <p:spTree>
+      <p:nvGrpSpPr>
+        <p:cNvPr id="1" name=""/>
+        <p:cNvGrpSpPr/>
+        <p:nvPr/>
+      </p:nvGrpSpPr>
+      <p:grpSpPr/>
+      <p:sp>
+        <p:nvSpPr>
           <p:cNvPr id="7" name="Title 6"/>
           <p:cNvSpPr>
             <a:spLocks noGrp="1"/>
@@ -5983,6 +6449,1597 @@
           </a:p>
         </p:txBody>
       </p:sp>
+    </p:spTree>
+  </p:cSld>
+  <p:clrMapOvr>
+    <a:masterClrMapping/>
+  </p:clrMapOvr>
+</p:sld>
+</file>
+
+<file path=ppt/slides/slide17.xml><?xml version="1.0" encoding="utf-8"?>
+<p:sld xmlns:a="http://schemas.openxmlformats.org/drawingml/2006/main" xmlns:r="http://schemas.openxmlformats.org/officeDocument/2006/relationships" xmlns:p="http://schemas.openxmlformats.org/presentationml/2006/main">
+  <p:cSld>
+    <p:spTree>
+      <p:nvGrpSpPr>
+        <p:cNvPr id="1" name=""/>
+        <p:cNvGrpSpPr/>
+        <p:nvPr/>
+      </p:nvGrpSpPr>
+      <p:grpSpPr/>
+      <p:sp>
+        <p:nvSpPr>
+          <p:cNvPr id="4" name="Rectangles 3"/>
+          <p:cNvSpPr/>
+          <p:nvPr/>
+        </p:nvSpPr>
+        <p:spPr>
+          <a:xfrm>
+            <a:off x="1773555" y="80010"/>
+            <a:ext cx="8645525" cy="6674485"/>
+          </a:xfrm>
+          <a:prstGeom prst="rect">
+            <a:avLst/>
+          </a:prstGeom>
+          <a:solidFill>
+            <a:srgbClr val="000000">
+              <a:alpha val="0"/>
+            </a:srgbClr>
+          </a:solidFill>
+          <a:ln>
+            <a:solidFill>
+              <a:schemeClr val="tx1"/>
+            </a:solidFill>
+          </a:ln>
+        </p:spPr>
+        <p:style>
+          <a:lnRef idx="2">
+            <a:schemeClr val="accent1">
+              <a:shade val="50000"/>
+            </a:schemeClr>
+          </a:lnRef>
+          <a:fillRef idx="1">
+            <a:schemeClr val="accent1"/>
+          </a:fillRef>
+          <a:effectRef idx="0">
+            <a:schemeClr val="accent1"/>
+          </a:effectRef>
+          <a:fontRef idx="minor">
+            <a:schemeClr val="lt1"/>
+          </a:fontRef>
+        </p:style>
+        <p:txBody>
+          <a:bodyPr rtlCol="0" anchor="ctr"/>
+          <a:p>
+            <a:pPr algn="ctr"/>
+            <a:endParaRPr lang="en-US"/>
+          </a:p>
+        </p:txBody>
+      </p:sp>
+      <p:grpSp>
+        <p:nvGrpSpPr>
+          <p:cNvPr id="19" name="Group 18"/>
+          <p:cNvGrpSpPr/>
+          <p:nvPr/>
+        </p:nvGrpSpPr>
+        <p:grpSpPr>
+          <a:xfrm>
+            <a:off x="1983740" y="2236470"/>
+            <a:ext cx="8731885" cy="1540536"/>
+            <a:chOff x="3124" y="4776"/>
+            <a:chExt cx="13751" cy="2684"/>
+          </a:xfrm>
+        </p:grpSpPr>
+        <p:sp>
+          <p:nvSpPr>
+            <p:cNvPr id="6" name="Rectangles 5"/>
+            <p:cNvSpPr/>
+            <p:nvPr/>
+          </p:nvSpPr>
+          <p:spPr>
+            <a:xfrm>
+              <a:off x="3124" y="4776"/>
+              <a:ext cx="12734" cy="2514"/>
+            </a:xfrm>
+            <a:prstGeom prst="rect">
+              <a:avLst/>
+            </a:prstGeom>
+            <a:noFill/>
+            <a:ln>
+              <a:solidFill>
+                <a:schemeClr val="tx1"/>
+              </a:solidFill>
+            </a:ln>
+            <a:extLst>
+              <a:ext uri="{909E8E84-426E-40DD-AFC4-6F175D3DCCD1}">
+                <a14:hiddenFill xmlns:a14="http://schemas.microsoft.com/office/drawing/2010/main">
+                  <a:solidFill>
+                    <a:schemeClr val="accent1"/>
+                  </a:solidFill>
+                </a14:hiddenFill>
+              </a:ext>
+            </a:extLst>
+          </p:spPr>
+          <p:style>
+            <a:lnRef idx="2">
+              <a:schemeClr val="accent1">
+                <a:shade val="50000"/>
+              </a:schemeClr>
+            </a:lnRef>
+            <a:fillRef idx="1">
+              <a:schemeClr val="accent1"/>
+            </a:fillRef>
+            <a:effectRef idx="0">
+              <a:schemeClr val="accent1"/>
+            </a:effectRef>
+            <a:fontRef idx="minor">
+              <a:schemeClr val="lt1"/>
+            </a:fontRef>
+          </p:style>
+          <p:txBody>
+            <a:bodyPr rtlCol="0" anchor="t" anchorCtr="0"/>
+            <a:p>
+              <a:pPr algn="l"/>
+              <a:r>
+                <a:rPr lang="en-US">
+                  <a:solidFill>
+                    <a:schemeClr val="tx1"/>
+                  </a:solidFill>
+                </a:rPr>
+                <a:t>Popular Places to Go (Limit to 5 to show)</a:t>
+              </a:r>
+              <a:endParaRPr lang="en-US">
+                <a:solidFill>
+                  <a:schemeClr val="tx1"/>
+                </a:solidFill>
+              </a:endParaRPr>
+            </a:p>
+          </p:txBody>
+        </p:sp>
+        <p:sp>
+          <p:nvSpPr>
+            <p:cNvPr id="11" name="Rectangles 10"/>
+            <p:cNvSpPr/>
+            <p:nvPr/>
+          </p:nvSpPr>
+          <p:spPr>
+            <a:xfrm>
+              <a:off x="3339" y="5501"/>
+              <a:ext cx="11513" cy="647"/>
+            </a:xfrm>
+            <a:prstGeom prst="rect">
+              <a:avLst/>
+            </a:prstGeom>
+            <a:noFill/>
+            <a:ln>
+              <a:solidFill>
+                <a:schemeClr val="tx1"/>
+              </a:solidFill>
+            </a:ln>
+            <a:extLst>
+              <a:ext uri="{909E8E84-426E-40DD-AFC4-6F175D3DCCD1}">
+                <a14:hiddenFill xmlns:a14="http://schemas.microsoft.com/office/drawing/2010/main">
+                  <a:solidFill>
+                    <a:schemeClr val="accent1"/>
+                  </a:solidFill>
+                </a14:hiddenFill>
+              </a:ext>
+            </a:extLst>
+          </p:spPr>
+          <p:style>
+            <a:lnRef idx="2">
+              <a:schemeClr val="accent1">
+                <a:shade val="50000"/>
+              </a:schemeClr>
+            </a:lnRef>
+            <a:fillRef idx="1">
+              <a:schemeClr val="accent1"/>
+            </a:fillRef>
+            <a:effectRef idx="0">
+              <a:schemeClr val="accent1"/>
+            </a:effectRef>
+            <a:fontRef idx="minor">
+              <a:schemeClr val="lt1"/>
+            </a:fontRef>
+          </p:style>
+          <p:txBody>
+            <a:bodyPr rtlCol="0" anchor="ctr"/>
+            <a:p>
+              <a:pPr marL="285750" indent="-285750" algn="l">
+                <a:buFont typeface="Arial" panose="020B0604020202090204" pitchFamily="34" charset="0"/>
+                <a:buChar char="•"/>
+              </a:pPr>
+              <a:r>
+                <a:rPr lang="en-US">
+                  <a:solidFill>
+                    <a:schemeClr val="tx1"/>
+                  </a:solidFill>
+                </a:rPr>
+                <a:t>Sentosa</a:t>
+              </a:r>
+              <a:endParaRPr lang="en-US">
+                <a:solidFill>
+                  <a:schemeClr val="tx1"/>
+                </a:solidFill>
+              </a:endParaRPr>
+            </a:p>
+          </p:txBody>
+        </p:sp>
+        <p:sp>
+          <p:nvSpPr>
+            <p:cNvPr id="12" name="Rectangles 11"/>
+            <p:cNvSpPr/>
+            <p:nvPr/>
+          </p:nvSpPr>
+          <p:spPr>
+            <a:xfrm>
+              <a:off x="3339" y="6294"/>
+              <a:ext cx="11513" cy="647"/>
+            </a:xfrm>
+            <a:prstGeom prst="rect">
+              <a:avLst/>
+            </a:prstGeom>
+            <a:noFill/>
+            <a:ln>
+              <a:solidFill>
+                <a:schemeClr val="tx1"/>
+              </a:solidFill>
+            </a:ln>
+            <a:extLst>
+              <a:ext uri="{909E8E84-426E-40DD-AFC4-6F175D3DCCD1}">
+                <a14:hiddenFill xmlns:a14="http://schemas.microsoft.com/office/drawing/2010/main">
+                  <a:solidFill>
+                    <a:schemeClr val="accent1"/>
+                  </a:solidFill>
+                </a14:hiddenFill>
+              </a:ext>
+            </a:extLst>
+          </p:spPr>
+          <p:style>
+            <a:lnRef idx="2">
+              <a:schemeClr val="accent1">
+                <a:shade val="50000"/>
+              </a:schemeClr>
+            </a:lnRef>
+            <a:fillRef idx="1">
+              <a:schemeClr val="accent1"/>
+            </a:fillRef>
+            <a:effectRef idx="0">
+              <a:schemeClr val="accent1"/>
+            </a:effectRef>
+            <a:fontRef idx="minor">
+              <a:schemeClr val="lt1"/>
+            </a:fontRef>
+          </p:style>
+          <p:txBody>
+            <a:bodyPr rtlCol="0" anchor="ctr"/>
+            <a:p>
+              <a:pPr marL="285750" indent="-285750" algn="l">
+                <a:buFont typeface="Arial" panose="020B0604020202090204" pitchFamily="34" charset="0"/>
+                <a:buChar char="•"/>
+              </a:pPr>
+              <a:r>
+                <a:rPr lang="en-US">
+                  <a:solidFill>
+                    <a:schemeClr val="tx1"/>
+                  </a:solidFill>
+                </a:rPr>
+                <a:t>MBS</a:t>
+              </a:r>
+              <a:endParaRPr lang="en-US">
+                <a:solidFill>
+                  <a:schemeClr val="tx1"/>
+                </a:solidFill>
+              </a:endParaRPr>
+            </a:p>
+          </p:txBody>
+        </p:sp>
+        <p:sp>
+          <p:nvSpPr>
+            <p:cNvPr id="13" name="Text Box 12"/>
+            <p:cNvSpPr txBox="1"/>
+            <p:nvPr/>
+          </p:nvSpPr>
+          <p:spPr>
+            <a:xfrm>
+              <a:off x="13427" y="6818"/>
+              <a:ext cx="3448" cy="642"/>
+            </a:xfrm>
+            <a:prstGeom prst="rect">
+              <a:avLst/>
+            </a:prstGeom>
+            <a:noFill/>
+          </p:spPr>
+          <p:txBody>
+            <a:bodyPr wrap="square" rtlCol="0">
+              <a:spAutoFit/>
+            </a:bodyPr>
+            <a:p>
+              <a:r>
+                <a:rPr lang="en-US"/>
+                <a:t>Click for more</a:t>
+              </a:r>
+              <a:endParaRPr lang="en-US"/>
+            </a:p>
+          </p:txBody>
+        </p:sp>
+      </p:grpSp>
+      <p:grpSp>
+        <p:nvGrpSpPr>
+          <p:cNvPr id="20" name="Group 19"/>
+          <p:cNvGrpSpPr/>
+          <p:nvPr/>
+        </p:nvGrpSpPr>
+        <p:grpSpPr>
+          <a:xfrm>
+            <a:off x="1984375" y="3874135"/>
+            <a:ext cx="8731885" cy="1493391"/>
+            <a:chOff x="3124" y="7692"/>
+            <a:chExt cx="13751" cy="2686"/>
+          </a:xfrm>
+        </p:grpSpPr>
+        <p:sp>
+          <p:nvSpPr>
+            <p:cNvPr id="7" name="Rectangles 6"/>
+            <p:cNvSpPr/>
+            <p:nvPr/>
+          </p:nvSpPr>
+          <p:spPr>
+            <a:xfrm>
+              <a:off x="3124" y="7692"/>
+              <a:ext cx="12734" cy="2514"/>
+            </a:xfrm>
+            <a:prstGeom prst="rect">
+              <a:avLst/>
+            </a:prstGeom>
+            <a:noFill/>
+            <a:ln>
+              <a:solidFill>
+                <a:schemeClr val="tx1"/>
+              </a:solidFill>
+            </a:ln>
+            <a:extLst>
+              <a:ext uri="{909E8E84-426E-40DD-AFC4-6F175D3DCCD1}">
+                <a14:hiddenFill xmlns:a14="http://schemas.microsoft.com/office/drawing/2010/main">
+                  <a:solidFill>
+                    <a:schemeClr val="accent1"/>
+                  </a:solidFill>
+                </a14:hiddenFill>
+              </a:ext>
+            </a:extLst>
+          </p:spPr>
+          <p:style>
+            <a:lnRef idx="2">
+              <a:schemeClr val="accent1">
+                <a:shade val="50000"/>
+              </a:schemeClr>
+            </a:lnRef>
+            <a:fillRef idx="1">
+              <a:schemeClr val="accent1"/>
+            </a:fillRef>
+            <a:effectRef idx="0">
+              <a:schemeClr val="accent1"/>
+            </a:effectRef>
+            <a:fontRef idx="minor">
+              <a:schemeClr val="lt1"/>
+            </a:fontRef>
+          </p:style>
+          <p:txBody>
+            <a:bodyPr rtlCol="0" anchor="t" anchorCtr="0"/>
+            <a:p>
+              <a:pPr algn="l"/>
+              <a:r>
+                <a:rPr lang="en-US">
+                  <a:solidFill>
+                    <a:schemeClr val="tx1"/>
+                  </a:solidFill>
+                </a:rPr>
+                <a:t>General Discussions about {Singapore}</a:t>
+              </a:r>
+              <a:endParaRPr lang="en-US">
+                <a:solidFill>
+                  <a:schemeClr val="tx1"/>
+                </a:solidFill>
+              </a:endParaRPr>
+            </a:p>
+          </p:txBody>
+        </p:sp>
+        <p:sp>
+          <p:nvSpPr>
+            <p:cNvPr id="10" name="Rectangles 9"/>
+            <p:cNvSpPr/>
+            <p:nvPr/>
+          </p:nvSpPr>
+          <p:spPr>
+            <a:xfrm>
+              <a:off x="3339" y="8342"/>
+              <a:ext cx="11513" cy="647"/>
+            </a:xfrm>
+            <a:prstGeom prst="rect">
+              <a:avLst/>
+            </a:prstGeom>
+            <a:noFill/>
+            <a:ln>
+              <a:solidFill>
+                <a:schemeClr val="tx1"/>
+              </a:solidFill>
+            </a:ln>
+            <a:extLst>
+              <a:ext uri="{909E8E84-426E-40DD-AFC4-6F175D3DCCD1}">
+                <a14:hiddenFill xmlns:a14="http://schemas.microsoft.com/office/drawing/2010/main">
+                  <a:solidFill>
+                    <a:schemeClr val="accent1"/>
+                  </a:solidFill>
+                </a14:hiddenFill>
+              </a:ext>
+            </a:extLst>
+          </p:spPr>
+          <p:style>
+            <a:lnRef idx="2">
+              <a:schemeClr val="accent1">
+                <a:shade val="50000"/>
+              </a:schemeClr>
+            </a:lnRef>
+            <a:fillRef idx="1">
+              <a:schemeClr val="accent1"/>
+            </a:fillRef>
+            <a:effectRef idx="0">
+              <a:schemeClr val="accent1"/>
+            </a:effectRef>
+            <a:fontRef idx="minor">
+              <a:schemeClr val="lt1"/>
+            </a:fontRef>
+          </p:style>
+          <p:txBody>
+            <a:bodyPr rtlCol="0" anchor="ctr"/>
+            <a:p>
+              <a:pPr marL="285750" indent="-285750" algn="l">
+                <a:buFont typeface="Arial" panose="020B0604020202090204" pitchFamily="34" charset="0"/>
+                <a:buChar char="•"/>
+              </a:pPr>
+              <a:r>
+                <a:rPr lang="en-US">
+                  <a:solidFill>
+                    <a:schemeClr val="tx1"/>
+                  </a:solidFill>
+                </a:rPr>
+                <a:t>What to do at Airport</a:t>
+              </a:r>
+              <a:endParaRPr lang="en-US">
+                <a:solidFill>
+                  <a:schemeClr val="tx1"/>
+                </a:solidFill>
+              </a:endParaRPr>
+            </a:p>
+          </p:txBody>
+        </p:sp>
+        <p:sp>
+          <p:nvSpPr>
+            <p:cNvPr id="14" name="Rectangles 13"/>
+            <p:cNvSpPr/>
+            <p:nvPr/>
+          </p:nvSpPr>
+          <p:spPr>
+            <a:xfrm>
+              <a:off x="3339" y="9171"/>
+              <a:ext cx="11513" cy="647"/>
+            </a:xfrm>
+            <a:prstGeom prst="rect">
+              <a:avLst/>
+            </a:prstGeom>
+            <a:noFill/>
+            <a:ln>
+              <a:solidFill>
+                <a:schemeClr val="tx1"/>
+              </a:solidFill>
+            </a:ln>
+            <a:extLst>
+              <a:ext uri="{909E8E84-426E-40DD-AFC4-6F175D3DCCD1}">
+                <a14:hiddenFill xmlns:a14="http://schemas.microsoft.com/office/drawing/2010/main">
+                  <a:solidFill>
+                    <a:schemeClr val="accent1"/>
+                  </a:solidFill>
+                </a14:hiddenFill>
+              </a:ext>
+            </a:extLst>
+          </p:spPr>
+          <p:style>
+            <a:lnRef idx="2">
+              <a:schemeClr val="accent1">
+                <a:shade val="50000"/>
+              </a:schemeClr>
+            </a:lnRef>
+            <a:fillRef idx="1">
+              <a:schemeClr val="accent1"/>
+            </a:fillRef>
+            <a:effectRef idx="0">
+              <a:schemeClr val="accent1"/>
+            </a:effectRef>
+            <a:fontRef idx="minor">
+              <a:schemeClr val="lt1"/>
+            </a:fontRef>
+          </p:style>
+          <p:txBody>
+            <a:bodyPr rtlCol="0" anchor="ctr"/>
+            <a:p>
+              <a:pPr marL="285750" indent="-285750" algn="l">
+                <a:buFont typeface="Arial" panose="020B0604020202090204" pitchFamily="34" charset="0"/>
+                <a:buChar char="•"/>
+              </a:pPr>
+              <a:r>
+                <a:rPr lang="en-US">
+                  <a:solidFill>
+                    <a:schemeClr val="tx1"/>
+                  </a:solidFill>
+                </a:rPr>
+                <a:t>What to eat </a:t>
+              </a:r>
+              <a:endParaRPr lang="en-US">
+                <a:solidFill>
+                  <a:schemeClr val="tx1"/>
+                </a:solidFill>
+              </a:endParaRPr>
+            </a:p>
+          </p:txBody>
+        </p:sp>
+        <p:sp>
+          <p:nvSpPr>
+            <p:cNvPr id="15" name="Text Box 14"/>
+            <p:cNvSpPr txBox="1"/>
+            <p:nvPr/>
+          </p:nvSpPr>
+          <p:spPr>
+            <a:xfrm>
+              <a:off x="13427" y="9716"/>
+              <a:ext cx="3448" cy="662"/>
+            </a:xfrm>
+            <a:prstGeom prst="rect">
+              <a:avLst/>
+            </a:prstGeom>
+            <a:noFill/>
+          </p:spPr>
+          <p:txBody>
+            <a:bodyPr wrap="square" rtlCol="0">
+              <a:spAutoFit/>
+            </a:bodyPr>
+            <a:p>
+              <a:r>
+                <a:rPr lang="en-US"/>
+                <a:t>Click for more</a:t>
+              </a:r>
+              <a:endParaRPr lang="en-US"/>
+            </a:p>
+          </p:txBody>
+        </p:sp>
+      </p:grpSp>
+      <p:sp>
+        <p:nvSpPr>
+          <p:cNvPr id="16" name="Rectangles 15"/>
+          <p:cNvSpPr/>
+          <p:nvPr/>
+        </p:nvSpPr>
+        <p:spPr>
+          <a:xfrm>
+            <a:off x="1983740" y="147320"/>
+            <a:ext cx="8086725" cy="341630"/>
+          </a:xfrm>
+          <a:prstGeom prst="rect">
+            <a:avLst/>
+          </a:prstGeom>
+          <a:noFill/>
+          <a:ln>
+            <a:solidFill>
+              <a:schemeClr val="tx1"/>
+            </a:solidFill>
+          </a:ln>
+          <a:extLst>
+            <a:ext uri="{909E8E84-426E-40DD-AFC4-6F175D3DCCD1}">
+              <a14:hiddenFill xmlns:a14="http://schemas.microsoft.com/office/drawing/2010/main">
+                <a:solidFill>
+                  <a:schemeClr val="accent1"/>
+                </a:solidFill>
+              </a14:hiddenFill>
+            </a:ext>
+          </a:extLst>
+        </p:spPr>
+        <p:style>
+          <a:lnRef idx="2">
+            <a:schemeClr val="accent1">
+              <a:shade val="50000"/>
+            </a:schemeClr>
+          </a:lnRef>
+          <a:fillRef idx="1">
+            <a:schemeClr val="accent1"/>
+          </a:fillRef>
+          <a:effectRef idx="0">
+            <a:schemeClr val="accent1"/>
+          </a:effectRef>
+          <a:fontRef idx="minor">
+            <a:schemeClr val="lt1"/>
+          </a:fontRef>
+        </p:style>
+        <p:txBody>
+          <a:bodyPr rtlCol="0" anchor="ctr"/>
+          <a:p>
+            <a:pPr algn="l"/>
+            <a:r>
+              <a:rPr lang="en-US">
+                <a:solidFill>
+                  <a:schemeClr val="tx1"/>
+                </a:solidFill>
+              </a:rPr>
+              <a:t>Search - Search for word that appears in title</a:t>
+            </a:r>
+            <a:endParaRPr lang="en-US">
+              <a:solidFill>
+                <a:schemeClr val="tx1"/>
+              </a:solidFill>
+            </a:endParaRPr>
+          </a:p>
+        </p:txBody>
+      </p:sp>
+      <p:grpSp>
+        <p:nvGrpSpPr>
+          <p:cNvPr id="18" name="Group 17"/>
+          <p:cNvGrpSpPr/>
+          <p:nvPr/>
+        </p:nvGrpSpPr>
+        <p:grpSpPr>
+          <a:xfrm>
+            <a:off x="1983740" y="640080"/>
+            <a:ext cx="8738235" cy="1563921"/>
+            <a:chOff x="3124" y="1942"/>
+            <a:chExt cx="13761" cy="2680"/>
+          </a:xfrm>
+        </p:grpSpPr>
+        <p:sp>
+          <p:nvSpPr>
+            <p:cNvPr id="5" name="Rectangles 4"/>
+            <p:cNvSpPr/>
+            <p:nvPr/>
+          </p:nvSpPr>
+          <p:spPr>
+            <a:xfrm>
+              <a:off x="3124" y="1942"/>
+              <a:ext cx="12734" cy="2514"/>
+            </a:xfrm>
+            <a:prstGeom prst="rect">
+              <a:avLst/>
+            </a:prstGeom>
+            <a:noFill/>
+            <a:ln>
+              <a:solidFill>
+                <a:schemeClr val="tx1"/>
+              </a:solidFill>
+            </a:ln>
+            <a:extLst>
+              <a:ext uri="{909E8E84-426E-40DD-AFC4-6F175D3DCCD1}">
+                <a14:hiddenFill xmlns:a14="http://schemas.microsoft.com/office/drawing/2010/main">
+                  <a:solidFill>
+                    <a:schemeClr val="accent1"/>
+                  </a:solidFill>
+                </a14:hiddenFill>
+              </a:ext>
+            </a:extLst>
+          </p:spPr>
+          <p:style>
+            <a:lnRef idx="2">
+              <a:schemeClr val="accent1">
+                <a:shade val="50000"/>
+              </a:schemeClr>
+            </a:lnRef>
+            <a:fillRef idx="1">
+              <a:schemeClr val="accent1"/>
+            </a:fillRef>
+            <a:effectRef idx="0">
+              <a:schemeClr val="accent1"/>
+            </a:effectRef>
+            <a:fontRef idx="minor">
+              <a:schemeClr val="lt1"/>
+            </a:fontRef>
+          </p:style>
+          <p:txBody>
+            <a:bodyPr rtlCol="0" anchor="t" anchorCtr="0"/>
+            <a:p>
+              <a:pPr algn="l"/>
+              <a:r>
+                <a:rPr lang="en-US">
+                  <a:solidFill>
+                    <a:schemeClr val="tx1"/>
+                  </a:solidFill>
+                </a:rPr>
+                <a:t>Welcome Center</a:t>
+              </a:r>
+              <a:endParaRPr lang="en-US">
+                <a:solidFill>
+                  <a:schemeClr val="tx1"/>
+                </a:solidFill>
+              </a:endParaRPr>
+            </a:p>
+          </p:txBody>
+        </p:sp>
+        <p:sp>
+          <p:nvSpPr>
+            <p:cNvPr id="8" name="Rectangles 7"/>
+            <p:cNvSpPr/>
+            <p:nvPr/>
+          </p:nvSpPr>
+          <p:spPr>
+            <a:xfrm>
+              <a:off x="3339" y="2660"/>
+              <a:ext cx="11513" cy="647"/>
+            </a:xfrm>
+            <a:prstGeom prst="rect">
+              <a:avLst/>
+            </a:prstGeom>
+            <a:noFill/>
+            <a:ln>
+              <a:solidFill>
+                <a:schemeClr val="tx1"/>
+              </a:solidFill>
+            </a:ln>
+            <a:extLst>
+              <a:ext uri="{909E8E84-426E-40DD-AFC4-6F175D3DCCD1}">
+                <a14:hiddenFill xmlns:a14="http://schemas.microsoft.com/office/drawing/2010/main">
+                  <a:solidFill>
+                    <a:schemeClr val="accent1"/>
+                  </a:solidFill>
+                </a14:hiddenFill>
+              </a:ext>
+            </a:extLst>
+          </p:spPr>
+          <p:style>
+            <a:lnRef idx="2">
+              <a:schemeClr val="accent1">
+                <a:shade val="50000"/>
+              </a:schemeClr>
+            </a:lnRef>
+            <a:fillRef idx="1">
+              <a:schemeClr val="accent1"/>
+            </a:fillRef>
+            <a:effectRef idx="0">
+              <a:schemeClr val="accent1"/>
+            </a:effectRef>
+            <a:fontRef idx="minor">
+              <a:schemeClr val="lt1"/>
+            </a:fontRef>
+          </p:style>
+          <p:txBody>
+            <a:bodyPr rtlCol="0" anchor="ctr"/>
+            <a:p>
+              <a:pPr marL="285750" indent="-285750" algn="l">
+                <a:buFont typeface="Arial" panose="020B0604020202090204" pitchFamily="34" charset="0"/>
+                <a:buChar char="•"/>
+              </a:pPr>
+              <a:r>
+                <a:rPr lang="en-US">
+                  <a:solidFill>
+                    <a:schemeClr val="tx1"/>
+                  </a:solidFill>
+                </a:rPr>
+                <a:t>Rules</a:t>
+              </a:r>
+              <a:endParaRPr lang="en-US">
+                <a:solidFill>
+                  <a:schemeClr val="tx1"/>
+                </a:solidFill>
+              </a:endParaRPr>
+            </a:p>
+          </p:txBody>
+        </p:sp>
+        <p:sp>
+          <p:nvSpPr>
+            <p:cNvPr id="9" name="Rectangles 8"/>
+            <p:cNvSpPr/>
+            <p:nvPr/>
+          </p:nvSpPr>
+          <p:spPr>
+            <a:xfrm>
+              <a:off x="3339" y="3471"/>
+              <a:ext cx="11513" cy="647"/>
+            </a:xfrm>
+            <a:prstGeom prst="rect">
+              <a:avLst/>
+            </a:prstGeom>
+            <a:noFill/>
+            <a:ln>
+              <a:solidFill>
+                <a:schemeClr val="tx1"/>
+              </a:solidFill>
+            </a:ln>
+            <a:extLst>
+              <a:ext uri="{909E8E84-426E-40DD-AFC4-6F175D3DCCD1}">
+                <a14:hiddenFill xmlns:a14="http://schemas.microsoft.com/office/drawing/2010/main">
+                  <a:solidFill>
+                    <a:schemeClr val="accent1"/>
+                  </a:solidFill>
+                </a14:hiddenFill>
+              </a:ext>
+            </a:extLst>
+          </p:spPr>
+          <p:style>
+            <a:lnRef idx="2">
+              <a:schemeClr val="accent1">
+                <a:shade val="50000"/>
+              </a:schemeClr>
+            </a:lnRef>
+            <a:fillRef idx="1">
+              <a:schemeClr val="accent1"/>
+            </a:fillRef>
+            <a:effectRef idx="0">
+              <a:schemeClr val="accent1"/>
+            </a:effectRef>
+            <a:fontRef idx="minor">
+              <a:schemeClr val="lt1"/>
+            </a:fontRef>
+          </p:style>
+          <p:txBody>
+            <a:bodyPr rtlCol="0" anchor="ctr"/>
+            <a:p>
+              <a:pPr marL="285750" indent="-285750" algn="l">
+                <a:buFont typeface="Arial" panose="020B0604020202090204" pitchFamily="34" charset="0"/>
+                <a:buChar char="•"/>
+              </a:pPr>
+              <a:r>
+                <a:rPr lang="en-US">
+                  <a:solidFill>
+                    <a:schemeClr val="tx1"/>
+                  </a:solidFill>
+                </a:rPr>
+                <a:t>idk</a:t>
+              </a:r>
+              <a:endParaRPr lang="en-US">
+                <a:solidFill>
+                  <a:schemeClr val="tx1"/>
+                </a:solidFill>
+              </a:endParaRPr>
+            </a:p>
+          </p:txBody>
+        </p:sp>
+        <p:sp>
+          <p:nvSpPr>
+            <p:cNvPr id="17" name="Text Box 16"/>
+            <p:cNvSpPr txBox="1"/>
+            <p:nvPr/>
+          </p:nvSpPr>
+          <p:spPr>
+            <a:xfrm>
+              <a:off x="13437" y="3991"/>
+              <a:ext cx="3448" cy="631"/>
+            </a:xfrm>
+            <a:prstGeom prst="rect">
+              <a:avLst/>
+            </a:prstGeom>
+            <a:noFill/>
+          </p:spPr>
+          <p:txBody>
+            <a:bodyPr wrap="square" rtlCol="0">
+              <a:spAutoFit/>
+            </a:bodyPr>
+            <a:p>
+              <a:r>
+                <a:rPr lang="en-US"/>
+                <a:t>Click for more</a:t>
+              </a:r>
+              <a:endParaRPr lang="en-US"/>
+            </a:p>
+          </p:txBody>
+        </p:sp>
+      </p:grpSp>
+      <p:sp>
+        <p:nvSpPr>
+          <p:cNvPr id="3" name="Title 6"/>
+          <p:cNvSpPr>
+            <a:spLocks noGrp="1"/>
+          </p:cNvSpPr>
+          <p:nvPr/>
+        </p:nvSpPr>
+        <p:spPr>
+          <a:xfrm>
+            <a:off x="68580" y="80010"/>
+            <a:ext cx="10824210" cy="408940"/>
+          </a:xfrm>
+          <a:prstGeom prst="rect">
+            <a:avLst/>
+          </a:prstGeom>
+        </p:spPr>
+        <p:txBody>
+          <a:bodyPr vert="horz" lIns="91440" tIns="45720" rIns="91440" bIns="45720" rtlCol="0" anchor="ctr">
+            <a:normAutofit fontScale="60000"/>
+          </a:bodyPr>
+          <a:lstStyle>
+            <a:lvl1pPr algn="l" defTabSz="914400" rtl="0" eaLnBrk="1" latinLnBrk="0" hangingPunct="1">
+              <a:lnSpc>
+                <a:spcPct val="90000"/>
+              </a:lnSpc>
+              <a:spcBef>
+                <a:spcPct val="0"/>
+              </a:spcBef>
+              <a:buNone/>
+              <a:defRPr sz="4400" kern="1200">
+                <a:solidFill>
+                  <a:schemeClr val="tx1"/>
+                </a:solidFill>
+                <a:latin typeface="+mj-lt"/>
+                <a:ea typeface="+mj-ea"/>
+                <a:cs typeface="+mj-cs"/>
+              </a:defRPr>
+            </a:lvl1pPr>
+          </a:lstStyle>
+          <a:p>
+            <a:r>
+              <a:rPr lang="en-US" sz="3200">
+                <a:latin typeface="Helvetica Neue Regular" panose="02000503000000020004" charset="0"/>
+                <a:cs typeface="Helvetica Neue Regular" panose="02000503000000020004" charset="0"/>
+              </a:rPr>
+              <a:t>Travel Itinerary</a:t>
+            </a:r>
+            <a:endParaRPr lang="en-US" sz="3200">
+              <a:latin typeface="Helvetica Neue Regular" panose="02000503000000020004" charset="0"/>
+              <a:cs typeface="Helvetica Neue Regular" panose="02000503000000020004" charset="0"/>
+            </a:endParaRPr>
+          </a:p>
+        </p:txBody>
+      </p:sp>
+      <p:grpSp>
+        <p:nvGrpSpPr>
+          <p:cNvPr id="21" name="Group 20"/>
+          <p:cNvGrpSpPr/>
+          <p:nvPr/>
+        </p:nvGrpSpPr>
+        <p:grpSpPr>
+          <a:xfrm>
+            <a:off x="1984375" y="5367655"/>
+            <a:ext cx="8731885" cy="1446619"/>
+            <a:chOff x="3124" y="7692"/>
+            <a:chExt cx="13751" cy="2715"/>
+          </a:xfrm>
+        </p:grpSpPr>
+        <p:sp>
+          <p:nvSpPr>
+            <p:cNvPr id="22" name="Rectangles 21"/>
+            <p:cNvSpPr/>
+            <p:nvPr/>
+          </p:nvSpPr>
+          <p:spPr>
+            <a:xfrm>
+              <a:off x="3124" y="7692"/>
+              <a:ext cx="12734" cy="2514"/>
+            </a:xfrm>
+            <a:prstGeom prst="rect">
+              <a:avLst/>
+            </a:prstGeom>
+            <a:noFill/>
+            <a:ln>
+              <a:solidFill>
+                <a:schemeClr val="tx1"/>
+              </a:solidFill>
+            </a:ln>
+            <a:extLst>
+              <a:ext uri="{909E8E84-426E-40DD-AFC4-6F175D3DCCD1}">
+                <a14:hiddenFill xmlns:a14="http://schemas.microsoft.com/office/drawing/2010/main">
+                  <a:solidFill>
+                    <a:schemeClr val="accent1"/>
+                  </a:solidFill>
+                </a14:hiddenFill>
+              </a:ext>
+            </a:extLst>
+          </p:spPr>
+          <p:style>
+            <a:lnRef idx="2">
+              <a:schemeClr val="accent1">
+                <a:shade val="50000"/>
+              </a:schemeClr>
+            </a:lnRef>
+            <a:fillRef idx="1">
+              <a:schemeClr val="accent1"/>
+            </a:fillRef>
+            <a:effectRef idx="0">
+              <a:schemeClr val="accent1"/>
+            </a:effectRef>
+            <a:fontRef idx="minor">
+              <a:schemeClr val="lt1"/>
+            </a:fontRef>
+          </p:style>
+          <p:txBody>
+            <a:bodyPr rtlCol="0" anchor="t" anchorCtr="0"/>
+            <a:p>
+              <a:pPr algn="l"/>
+              <a:r>
+                <a:rPr lang="en-US">
+                  <a:solidFill>
+                    <a:schemeClr val="tx1"/>
+                  </a:solidFill>
+                </a:rPr>
+                <a:t>Itinerary in {Singapore}</a:t>
+              </a:r>
+              <a:endParaRPr lang="en-US">
+                <a:solidFill>
+                  <a:schemeClr val="tx1"/>
+                </a:solidFill>
+              </a:endParaRPr>
+            </a:p>
+          </p:txBody>
+        </p:sp>
+        <p:sp>
+          <p:nvSpPr>
+            <p:cNvPr id="23" name="Rectangles 22"/>
+            <p:cNvSpPr/>
+            <p:nvPr/>
+          </p:nvSpPr>
+          <p:spPr>
+            <a:xfrm>
+              <a:off x="3339" y="8342"/>
+              <a:ext cx="11513" cy="647"/>
+            </a:xfrm>
+            <a:prstGeom prst="rect">
+              <a:avLst/>
+            </a:prstGeom>
+            <a:noFill/>
+            <a:ln>
+              <a:solidFill>
+                <a:schemeClr val="tx1"/>
+              </a:solidFill>
+            </a:ln>
+            <a:extLst>
+              <a:ext uri="{909E8E84-426E-40DD-AFC4-6F175D3DCCD1}">
+                <a14:hiddenFill xmlns:a14="http://schemas.microsoft.com/office/drawing/2010/main">
+                  <a:solidFill>
+                    <a:schemeClr val="accent1"/>
+                  </a:solidFill>
+                </a14:hiddenFill>
+              </a:ext>
+            </a:extLst>
+          </p:spPr>
+          <p:style>
+            <a:lnRef idx="2">
+              <a:schemeClr val="accent1">
+                <a:shade val="50000"/>
+              </a:schemeClr>
+            </a:lnRef>
+            <a:fillRef idx="1">
+              <a:schemeClr val="accent1"/>
+            </a:fillRef>
+            <a:effectRef idx="0">
+              <a:schemeClr val="accent1"/>
+            </a:effectRef>
+            <a:fontRef idx="minor">
+              <a:schemeClr val="lt1"/>
+            </a:fontRef>
+          </p:style>
+          <p:txBody>
+            <a:bodyPr rtlCol="0" anchor="ctr"/>
+            <a:p>
+              <a:pPr marL="285750" indent="-285750" algn="l">
+                <a:buFont typeface="Arial" panose="020B0604020202090204" pitchFamily="34" charset="0"/>
+                <a:buChar char="•"/>
+              </a:pPr>
+              <a:r>
+                <a:rPr lang="en-US">
+                  <a:solidFill>
+                    <a:schemeClr val="tx1"/>
+                  </a:solidFill>
+                </a:rPr>
+                <a:t>Sentosa</a:t>
+              </a:r>
+              <a:endParaRPr lang="en-US">
+                <a:solidFill>
+                  <a:schemeClr val="tx1"/>
+                </a:solidFill>
+              </a:endParaRPr>
+            </a:p>
+          </p:txBody>
+        </p:sp>
+        <p:sp>
+          <p:nvSpPr>
+            <p:cNvPr id="25" name="Text Box 24"/>
+            <p:cNvSpPr txBox="1"/>
+            <p:nvPr/>
+          </p:nvSpPr>
+          <p:spPr>
+            <a:xfrm>
+              <a:off x="13427" y="9716"/>
+              <a:ext cx="3448" cy="691"/>
+            </a:xfrm>
+            <a:prstGeom prst="rect">
+              <a:avLst/>
+            </a:prstGeom>
+            <a:noFill/>
+          </p:spPr>
+          <p:txBody>
+            <a:bodyPr wrap="square" rtlCol="0">
+              <a:spAutoFit/>
+            </a:bodyPr>
+            <a:p>
+              <a:r>
+                <a:rPr lang="en-US"/>
+                <a:t>Click for more</a:t>
+              </a:r>
+              <a:endParaRPr lang="en-US"/>
+            </a:p>
+          </p:txBody>
+        </p:sp>
+      </p:grpSp>
+      <p:sp>
+        <p:nvSpPr>
+          <p:cNvPr id="26" name="Rectangles 25"/>
+          <p:cNvSpPr/>
+          <p:nvPr/>
+        </p:nvSpPr>
+        <p:spPr>
+          <a:xfrm>
+            <a:off x="2120900" y="6124560"/>
+            <a:ext cx="7310755" cy="359726"/>
+          </a:xfrm>
+          <a:prstGeom prst="rect">
+            <a:avLst/>
+          </a:prstGeom>
+          <a:noFill/>
+          <a:ln>
+            <a:solidFill>
+              <a:schemeClr val="tx1"/>
+            </a:solidFill>
+          </a:ln>
+          <a:extLst>
+            <a:ext uri="{909E8E84-426E-40DD-AFC4-6F175D3DCCD1}">
+              <a14:hiddenFill xmlns:a14="http://schemas.microsoft.com/office/drawing/2010/main">
+                <a:solidFill>
+                  <a:schemeClr val="accent1"/>
+                </a:solidFill>
+              </a14:hiddenFill>
+            </a:ext>
+          </a:extLst>
+        </p:spPr>
+        <p:style>
+          <a:lnRef idx="2">
+            <a:schemeClr val="accent1">
+              <a:shade val="50000"/>
+            </a:schemeClr>
+          </a:lnRef>
+          <a:fillRef idx="1">
+            <a:schemeClr val="accent1"/>
+          </a:fillRef>
+          <a:effectRef idx="0">
+            <a:schemeClr val="accent1"/>
+          </a:effectRef>
+          <a:fontRef idx="minor">
+            <a:schemeClr val="lt1"/>
+          </a:fontRef>
+        </p:style>
+        <p:txBody>
+          <a:bodyPr rtlCol="0" anchor="ctr"/>
+          <a:p>
+            <a:pPr marL="285750" indent="-285750" algn="l">
+              <a:buFont typeface="Arial" panose="020B0604020202090204" pitchFamily="34" charset="0"/>
+              <a:buChar char="•"/>
+            </a:pPr>
+            <a:r>
+              <a:rPr lang="en-US">
+                <a:solidFill>
+                  <a:schemeClr val="tx1"/>
+                </a:solidFill>
+              </a:rPr>
+              <a:t>MBS</a:t>
+            </a:r>
+            <a:endParaRPr lang="en-US">
+              <a:solidFill>
+                <a:schemeClr val="tx1"/>
+              </a:solidFill>
+            </a:endParaRPr>
+          </a:p>
+        </p:txBody>
+      </p:sp>
+    </p:spTree>
+  </p:cSld>
+  <p:clrMapOvr>
+    <a:masterClrMapping/>
+  </p:clrMapOvr>
+</p:sld>
+</file>
+
+<file path=ppt/slides/slide18.xml><?xml version="1.0" encoding="utf-8"?>
+<p:sld xmlns:a="http://schemas.openxmlformats.org/drawingml/2006/main" xmlns:r="http://schemas.openxmlformats.org/officeDocument/2006/relationships" xmlns:p="http://schemas.openxmlformats.org/presentationml/2006/main">
+  <p:cSld>
+    <p:spTree>
+      <p:nvGrpSpPr>
+        <p:cNvPr id="1" name=""/>
+        <p:cNvGrpSpPr/>
+        <p:nvPr/>
+      </p:nvGrpSpPr>
+      <p:grpSpPr/>
+      <p:sp>
+        <p:nvSpPr>
+          <p:cNvPr id="4" name="Rectangles 3"/>
+          <p:cNvSpPr/>
+          <p:nvPr/>
+        </p:nvSpPr>
+        <p:spPr>
+          <a:xfrm>
+            <a:off x="1773555" y="945515"/>
+            <a:ext cx="8645525" cy="5770880"/>
+          </a:xfrm>
+          <a:prstGeom prst="rect">
+            <a:avLst/>
+          </a:prstGeom>
+          <a:solidFill>
+            <a:srgbClr val="000000">
+              <a:alpha val="0"/>
+            </a:srgbClr>
+          </a:solidFill>
+          <a:ln>
+            <a:solidFill>
+              <a:schemeClr val="tx1"/>
+            </a:solidFill>
+          </a:ln>
+        </p:spPr>
+        <p:style>
+          <a:lnRef idx="2">
+            <a:schemeClr val="accent1">
+              <a:shade val="50000"/>
+            </a:schemeClr>
+          </a:lnRef>
+          <a:fillRef idx="1">
+            <a:schemeClr val="accent1"/>
+          </a:fillRef>
+          <a:effectRef idx="0">
+            <a:schemeClr val="accent1"/>
+          </a:effectRef>
+          <a:fontRef idx="minor">
+            <a:schemeClr val="lt1"/>
+          </a:fontRef>
+        </p:style>
+        <p:txBody>
+          <a:bodyPr rtlCol="0" anchor="ctr"/>
+          <a:p>
+            <a:pPr algn="ctr"/>
+            <a:endParaRPr lang="en-US"/>
+          </a:p>
+        </p:txBody>
+      </p:sp>
+      <p:sp>
+        <p:nvSpPr>
+          <p:cNvPr id="5" name="Rectangles 4"/>
+          <p:cNvSpPr/>
+          <p:nvPr/>
+        </p:nvSpPr>
+        <p:spPr>
+          <a:xfrm>
+            <a:off x="1983740" y="1233170"/>
+            <a:ext cx="8086090" cy="1596390"/>
+          </a:xfrm>
+          <a:prstGeom prst="rect">
+            <a:avLst/>
+          </a:prstGeom>
+          <a:noFill/>
+          <a:ln>
+            <a:solidFill>
+              <a:schemeClr val="tx1"/>
+            </a:solidFill>
+          </a:ln>
+          <a:extLst>
+            <a:ext uri="{909E8E84-426E-40DD-AFC4-6F175D3DCCD1}">
+              <a14:hiddenFill xmlns:a14="http://schemas.microsoft.com/office/drawing/2010/main">
+                <a:solidFill>
+                  <a:schemeClr val="accent1"/>
+                </a:solidFill>
+              </a14:hiddenFill>
+            </a:ext>
+          </a:extLst>
+        </p:spPr>
+        <p:style>
+          <a:lnRef idx="2">
+            <a:schemeClr val="accent1">
+              <a:shade val="50000"/>
+            </a:schemeClr>
+          </a:lnRef>
+          <a:fillRef idx="1">
+            <a:schemeClr val="accent1"/>
+          </a:fillRef>
+          <a:effectRef idx="0">
+            <a:schemeClr val="accent1"/>
+          </a:effectRef>
+          <a:fontRef idx="minor">
+            <a:schemeClr val="lt1"/>
+          </a:fontRef>
+        </p:style>
+        <p:txBody>
+          <a:bodyPr rtlCol="0" anchor="t" anchorCtr="0"/>
+          <a:p>
+            <a:pPr algn="l"/>
+            <a:r>
+              <a:rPr lang="en-US">
+                <a:solidFill>
+                  <a:schemeClr val="tx1"/>
+                </a:solidFill>
+              </a:rPr>
+              <a:t>Post 1 - original post</a:t>
+            </a:r>
+            <a:endParaRPr lang="en-US">
+              <a:solidFill>
+                <a:schemeClr val="tx1"/>
+              </a:solidFill>
+            </a:endParaRPr>
+          </a:p>
+        </p:txBody>
+      </p:sp>
+      <p:sp>
+        <p:nvSpPr>
+          <p:cNvPr id="6" name="Rectangles 5"/>
+          <p:cNvSpPr/>
+          <p:nvPr/>
+        </p:nvSpPr>
+        <p:spPr>
+          <a:xfrm>
+            <a:off x="1983740" y="3032760"/>
+            <a:ext cx="8086090" cy="1596390"/>
+          </a:xfrm>
+          <a:prstGeom prst="rect">
+            <a:avLst/>
+          </a:prstGeom>
+          <a:noFill/>
+          <a:ln>
+            <a:solidFill>
+              <a:schemeClr val="tx1"/>
+            </a:solidFill>
+          </a:ln>
+          <a:extLst>
+            <a:ext uri="{909E8E84-426E-40DD-AFC4-6F175D3DCCD1}">
+              <a14:hiddenFill xmlns:a14="http://schemas.microsoft.com/office/drawing/2010/main">
+                <a:solidFill>
+                  <a:schemeClr val="accent1"/>
+                </a:solidFill>
+              </a14:hiddenFill>
+            </a:ext>
+          </a:extLst>
+        </p:spPr>
+        <p:style>
+          <a:lnRef idx="2">
+            <a:schemeClr val="accent1">
+              <a:shade val="50000"/>
+            </a:schemeClr>
+          </a:lnRef>
+          <a:fillRef idx="1">
+            <a:schemeClr val="accent1"/>
+          </a:fillRef>
+          <a:effectRef idx="0">
+            <a:schemeClr val="accent1"/>
+          </a:effectRef>
+          <a:fontRef idx="minor">
+            <a:schemeClr val="lt1"/>
+          </a:fontRef>
+        </p:style>
+        <p:txBody>
+          <a:bodyPr rtlCol="0" anchor="t" anchorCtr="0"/>
+          <a:p>
+            <a:pPr algn="l"/>
+            <a:r>
+              <a:rPr lang="en-US">
+                <a:solidFill>
+                  <a:schemeClr val="tx1"/>
+                </a:solidFill>
+              </a:rPr>
+              <a:t>Post 1 - reply by someone</a:t>
+            </a:r>
+            <a:endParaRPr lang="en-US">
+              <a:solidFill>
+                <a:schemeClr val="tx1"/>
+              </a:solidFill>
+            </a:endParaRPr>
+          </a:p>
+        </p:txBody>
+      </p:sp>
+      <p:sp>
+        <p:nvSpPr>
+          <p:cNvPr id="7" name="Rectangles 6"/>
+          <p:cNvSpPr/>
+          <p:nvPr/>
+        </p:nvSpPr>
+        <p:spPr>
+          <a:xfrm>
+            <a:off x="1983740" y="4779010"/>
+            <a:ext cx="8086090" cy="1596390"/>
+          </a:xfrm>
+          <a:prstGeom prst="rect">
+            <a:avLst/>
+          </a:prstGeom>
+          <a:noFill/>
+          <a:ln>
+            <a:solidFill>
+              <a:schemeClr val="tx1"/>
+            </a:solidFill>
+          </a:ln>
+          <a:extLst>
+            <a:ext uri="{909E8E84-426E-40DD-AFC4-6F175D3DCCD1}">
+              <a14:hiddenFill xmlns:a14="http://schemas.microsoft.com/office/drawing/2010/main">
+                <a:solidFill>
+                  <a:schemeClr val="accent1"/>
+                </a:solidFill>
+              </a14:hiddenFill>
+            </a:ext>
+          </a:extLst>
+        </p:spPr>
+        <p:style>
+          <a:lnRef idx="2">
+            <a:schemeClr val="accent1">
+              <a:shade val="50000"/>
+            </a:schemeClr>
+          </a:lnRef>
+          <a:fillRef idx="1">
+            <a:schemeClr val="accent1"/>
+          </a:fillRef>
+          <a:effectRef idx="0">
+            <a:schemeClr val="accent1"/>
+          </a:effectRef>
+          <a:fontRef idx="minor">
+            <a:schemeClr val="lt1"/>
+          </a:fontRef>
+        </p:style>
+        <p:txBody>
+          <a:bodyPr rtlCol="0" anchor="t" anchorCtr="0"/>
+          <a:p>
+            <a:pPr algn="l"/>
+            <a:r>
+              <a:rPr lang="en-US">
+                <a:solidFill>
+                  <a:schemeClr val="tx1"/>
+                </a:solidFill>
+              </a:rPr>
+              <a:t>Post 1 - reply by someone else</a:t>
+            </a:r>
+            <a:endParaRPr lang="en-US">
+              <a:solidFill>
+                <a:schemeClr val="tx1"/>
+              </a:solidFill>
+            </a:endParaRPr>
+          </a:p>
+        </p:txBody>
+      </p:sp>
+      <p:sp>
+        <p:nvSpPr>
+          <p:cNvPr id="33" name="Title 32"/>
+          <p:cNvSpPr>
+            <a:spLocks noGrp="1"/>
+          </p:cNvSpPr>
+          <p:nvPr>
+            <p:ph type="title"/>
+          </p:nvPr>
+        </p:nvSpPr>
+        <p:spPr>
+          <a:xfrm>
+            <a:off x="57150" y="80010"/>
+            <a:ext cx="10824210" cy="865505"/>
+          </a:xfrm>
+        </p:spPr>
+        <p:txBody>
+          <a:bodyPr>
+            <a:normAutofit/>
+          </a:bodyPr>
+          <a:p>
+            <a:r>
+              <a:rPr lang="en-US" sz="3200">
+                <a:latin typeface="Helvetica Neue Regular" panose="02000503000000020004" charset="0"/>
+                <a:cs typeface="Helvetica Neue Regular" panose="02000503000000020004" charset="0"/>
+              </a:rPr>
+              <a:t>Saving a post from other users</a:t>
+            </a:r>
+            <a:endParaRPr lang="en-US" sz="3200">
+              <a:latin typeface="Helvetica Neue Regular" panose="02000503000000020004" charset="0"/>
+              <a:cs typeface="Helvetica Neue Regular" panose="02000503000000020004" charset="0"/>
+            </a:endParaRPr>
+          </a:p>
+        </p:txBody>
+      </p:sp>
+      <p:sp>
+        <p:nvSpPr>
+          <p:cNvPr id="8" name="Text Box 7"/>
+          <p:cNvSpPr txBox="1"/>
+          <p:nvPr/>
+        </p:nvSpPr>
+        <p:spPr>
+          <a:xfrm>
+            <a:off x="9259570" y="2461260"/>
+            <a:ext cx="810260" cy="368300"/>
+          </a:xfrm>
+          <a:prstGeom prst="rect">
+            <a:avLst/>
+          </a:prstGeom>
+          <a:noFill/>
+        </p:spPr>
+        <p:txBody>
+          <a:bodyPr wrap="square" rtlCol="0">
+            <a:spAutoFit/>
+          </a:bodyPr>
+          <a:p>
+            <a:r>
+              <a:rPr lang="en-US"/>
+              <a:t>Reply</a:t>
+            </a:r>
+            <a:endParaRPr lang="en-US"/>
+          </a:p>
+        </p:txBody>
+      </p:sp>
+      <p:sp>
+        <p:nvSpPr>
+          <p:cNvPr id="9" name="Text Box 8"/>
+          <p:cNvSpPr txBox="1"/>
+          <p:nvPr/>
+        </p:nvSpPr>
+        <p:spPr>
+          <a:xfrm>
+            <a:off x="9259570" y="4260850"/>
+            <a:ext cx="810260" cy="368300"/>
+          </a:xfrm>
+          <a:prstGeom prst="rect">
+            <a:avLst/>
+          </a:prstGeom>
+          <a:noFill/>
+        </p:spPr>
+        <p:txBody>
+          <a:bodyPr wrap="square" rtlCol="0">
+            <a:spAutoFit/>
+          </a:bodyPr>
+          <a:p>
+            <a:r>
+              <a:rPr lang="en-US"/>
+              <a:t>Reply</a:t>
+            </a:r>
+            <a:endParaRPr lang="en-US"/>
+          </a:p>
+        </p:txBody>
+      </p:sp>
+      <p:sp>
+        <p:nvSpPr>
+          <p:cNvPr id="10" name="Text Box 9"/>
+          <p:cNvSpPr txBox="1"/>
+          <p:nvPr/>
+        </p:nvSpPr>
+        <p:spPr>
+          <a:xfrm>
+            <a:off x="9259570" y="6007100"/>
+            <a:ext cx="810260" cy="368300"/>
+          </a:xfrm>
+          <a:prstGeom prst="rect">
+            <a:avLst/>
+          </a:prstGeom>
+          <a:noFill/>
+        </p:spPr>
+        <p:txBody>
+          <a:bodyPr wrap="square" rtlCol="0">
+            <a:spAutoFit/>
+          </a:bodyPr>
+          <a:p>
+            <a:r>
+              <a:rPr lang="en-US"/>
+              <a:t>Reply</a:t>
+            </a:r>
+            <a:endParaRPr lang="en-US"/>
+          </a:p>
+        </p:txBody>
+      </p:sp>
+      <p:pic>
+        <p:nvPicPr>
+          <p:cNvPr id="3" name="Picture 2"/>
+          <p:cNvPicPr>
+            <a:picLocks noChangeAspect="1"/>
+          </p:cNvPicPr>
+          <p:nvPr/>
+        </p:nvPicPr>
+        <p:blipFill>
+          <a:blip r:embed="rId1"/>
+          <a:stretch>
+            <a:fillRect/>
+          </a:stretch>
+        </p:blipFill>
+        <p:spPr>
+          <a:xfrm>
+            <a:off x="9739630" y="1233170"/>
+            <a:ext cx="330200" cy="330200"/>
+          </a:xfrm>
+          <a:prstGeom prst="rect">
+            <a:avLst/>
+          </a:prstGeom>
+        </p:spPr>
+      </p:pic>
     </p:spTree>
   </p:cSld>
   <p:clrMapOvr>
@@ -6098,7 +8155,7 @@
                       </a:pPr>
                       <a:r>
                         <a:rPr lang="en-US"/>
-                        <a:t>:/api/{page}</a:t>
+                        <a:t>:/{singapore}</a:t>
                       </a:r>
                       <a:endParaRPr lang="en-US"/>
                     </a:p>
@@ -6114,7 +8171,7 @@
                       </a:pPr>
                       <a:r>
                         <a:rPr lang="en-US"/>
-                        <a:t>sub page</a:t>
+                        <a:t>country page</a:t>
                       </a:r>
                       <a:endParaRPr lang="en-US"/>
                     </a:p>
@@ -6132,7 +8189,7 @@
                       </a:pPr>
                       <a:r>
                         <a:rPr lang="en-US"/>
-                        <a:t>:/api/{page}/:content/:id(?)</a:t>
+                        <a:t>:/{singapore}/{topic}</a:t>
                       </a:r>
                       <a:endParaRPr lang="en-US"/>
                     </a:p>
@@ -6148,7 +8205,7 @@
                       </a:pPr>
                       <a:r>
                         <a:rPr lang="en-US"/>
-                        <a:t>zooming into a particular post in a thread</a:t>
+                        <a:t>zooming into a particular post in a country's thread</a:t>
                       </a:r>
                       <a:endParaRPr lang="en-US"/>
                     </a:p>
@@ -10799,7 +12856,7 @@
                   <a:schemeClr val="tx1"/>
                 </a:solidFill>
               </a:rPr>
-              <a:t>Post 1 - reply by someone one else</a:t>
+              <a:t>Post 1 - reply by someone else</a:t>
             </a:r>
             <a:endParaRPr lang="en-US">
               <a:solidFill>

--- a/Project-3.pptx
+++ b/Project-3.pptx
@@ -21,7 +21,6 @@
     <p:sldId id="264" r:id="rId14"/>
     <p:sldId id="266" r:id="rId15"/>
     <p:sldId id="268" r:id="rId16"/>
-    <p:sldId id="270" r:id="rId17"/>
   </p:sldIdLst>
   <p:sldSz cx="12192000" cy="6858000"/>
   <p:notesSz cx="7103745" cy="10234295"/>
@@ -126,10 +125,10 @@
         <p14:section name="Project 3" id="{a4d7e608-3483-418a-8db7-7fd210040737}">
           <p14:sldIdLst>
             <p14:sldId id="256"/>
-            <p14:sldId id="287"/>
+            <p14:sldId id="258"/>
             <p14:sldId id="284"/>
             <p14:sldId id="286"/>
-            <p14:sldId id="258"/>
+            <p14:sldId id="287"/>
             <p14:sldId id="259"/>
           </p14:sldIdLst>
         </p14:section>
@@ -142,7 +141,6 @@
             <p14:sldId id="264"/>
             <p14:sldId id="266"/>
             <p14:sldId id="268"/>
-            <p14:sldId id="270"/>
           </p14:sldIdLst>
         </p14:section>
       </p14:sectionLst>
@@ -4624,107 +4622,6 @@
           </a:p>
         </p:txBody>
       </p:sp>
-    </p:spTree>
-  </p:cSld>
-  <p:clrMapOvr>
-    <a:masterClrMapping/>
-  </p:clrMapOvr>
-</p:sld>
-</file>
-
-<file path=ppt/slides/slide14.xml><?xml version="1.0" encoding="utf-8"?>
-<p:sld xmlns:a="http://schemas.openxmlformats.org/drawingml/2006/main" xmlns:r="http://schemas.openxmlformats.org/officeDocument/2006/relationships" xmlns:p="http://schemas.openxmlformats.org/presentationml/2006/main">
-  <p:cSld>
-    <p:spTree>
-      <p:nvGrpSpPr>
-        <p:cNvPr id="1" name=""/>
-        <p:cNvGrpSpPr/>
-        <p:nvPr/>
-      </p:nvGrpSpPr>
-      <p:grpSpPr/>
-      <p:sp>
-        <p:nvSpPr>
-          <p:cNvPr id="33" name="Title 32"/>
-          <p:cNvSpPr>
-            <a:spLocks noGrp="1"/>
-          </p:cNvSpPr>
-          <p:nvPr>
-            <p:ph type="title"/>
-          </p:nvPr>
-        </p:nvSpPr>
-        <p:spPr>
-          <a:xfrm>
-            <a:off x="68580" y="80010"/>
-            <a:ext cx="10824210" cy="865505"/>
-          </a:xfrm>
-        </p:spPr>
-        <p:txBody>
-          <a:bodyPr>
-            <a:normAutofit/>
-          </a:bodyPr>
-          <a:p>
-            <a:r>
-              <a:rPr lang="en-US" sz="3200">
-                <a:latin typeface="Helvetica Neue Regular" panose="02000503000000020004" charset="0"/>
-                <a:cs typeface="Helvetica Neue Regular" panose="02000503000000020004" charset="0"/>
-              </a:rPr>
-              <a:t>Colour Theme</a:t>
-            </a:r>
-            <a:endParaRPr lang="en-US" sz="3200">
-              <a:latin typeface="Helvetica Neue Regular" panose="02000503000000020004" charset="0"/>
-              <a:cs typeface="Helvetica Neue Regular" panose="02000503000000020004" charset="0"/>
-            </a:endParaRPr>
-          </a:p>
-        </p:txBody>
-      </p:sp>
-      <p:pic>
-        <p:nvPicPr>
-          <p:cNvPr id="9" name="Picture 8"/>
-          <p:cNvPicPr>
-            <a:picLocks noChangeAspect="1"/>
-          </p:cNvPicPr>
-          <p:nvPr/>
-        </p:nvPicPr>
-        <p:blipFill>
-          <a:blip r:embed="rId1"/>
-          <a:stretch>
-            <a:fillRect/>
-          </a:stretch>
-        </p:blipFill>
-        <p:spPr>
-          <a:xfrm>
-            <a:off x="1754505" y="945515"/>
-            <a:ext cx="4201160" cy="5547360"/>
-          </a:xfrm>
-          <a:prstGeom prst="rect">
-            <a:avLst/>
-          </a:prstGeom>
-        </p:spPr>
-      </p:pic>
-      <p:pic>
-        <p:nvPicPr>
-          <p:cNvPr id="10" name="Picture 9"/>
-          <p:cNvPicPr>
-            <a:picLocks noChangeAspect="1"/>
-          </p:cNvPicPr>
-          <p:nvPr/>
-        </p:nvPicPr>
-        <p:blipFill>
-          <a:blip r:embed="rId2"/>
-          <a:stretch>
-            <a:fillRect/>
-          </a:stretch>
-        </p:blipFill>
-        <p:spPr>
-          <a:xfrm>
-            <a:off x="6306185" y="1070610"/>
-            <a:ext cx="4775200" cy="3625850"/>
-          </a:xfrm>
-          <a:prstGeom prst="rect">
-            <a:avLst/>
-          </a:prstGeom>
-        </p:spPr>
-      </p:pic>
     </p:spTree>
   </p:cSld>
   <p:clrMapOvr>
